--- a/doc/2D_CAD_PROGRAM[1].pptx
+++ b/doc/2D_CAD_PROGRAM[1].pptx
@@ -883,7 +883,7 @@
           <p:cNvPr id="16" name="Picture 15" descr="Slate-V2-HD-panoPhotoInset.png">
             <a:extLst>
               <a:ext uri="{FF2B5EF4-FFF2-40B4-BE49-F238E27FC236}">
-                <a16:creationId xmlns:a16="http://schemas.microsoft.com/office/drawing/2014/main" xmlns="" id="{CE39118B-B3AD-4BD4-BA22-DEFF4E76CE9A}"/>
+                <a16:creationId xmlns="" xmlns:a16="http://schemas.microsoft.com/office/drawing/2014/main" id="{CE39118B-B3AD-4BD4-BA22-DEFF4E76CE9A}"/>
               </a:ext>
             </a:extLst>
           </p:cNvPr>
@@ -1614,7 +1614,7 @@
           <p:cNvPr id="11" name="TextBox 10">
             <a:extLst>
               <a:ext uri="{FF2B5EF4-FFF2-40B4-BE49-F238E27FC236}">
-                <a16:creationId xmlns:a16="http://schemas.microsoft.com/office/drawing/2014/main" xmlns="" id="{223F0D53-0705-41B7-8554-09D21E7807F9}"/>
+                <a16:creationId xmlns="" xmlns:a16="http://schemas.microsoft.com/office/drawing/2014/main" id="{223F0D53-0705-41B7-8554-09D21E7807F9}"/>
               </a:ext>
             </a:extLst>
           </p:cNvPr>
@@ -1736,7 +1736,7 @@
           <p:cNvPr id="13" name="TextBox 12">
             <a:extLst>
               <a:ext uri="{FF2B5EF4-FFF2-40B4-BE49-F238E27FC236}">
-                <a16:creationId xmlns:a16="http://schemas.microsoft.com/office/drawing/2014/main" xmlns="" id="{C7F647CD-0F1A-4BB3-89E0-A74F1E1B098D}"/>
+                <a16:creationId xmlns="" xmlns:a16="http://schemas.microsoft.com/office/drawing/2014/main" id="{C7F647CD-0F1A-4BB3-89E0-A74F1E1B098D}"/>
               </a:ext>
             </a:extLst>
           </p:cNvPr>
@@ -2617,7 +2617,7 @@
           <p:cNvPr id="2" name="Picture 1" descr="Slate-V2-HD-3colPhotoInset.png">
             <a:extLst>
               <a:ext uri="{FF2B5EF4-FFF2-40B4-BE49-F238E27FC236}">
-                <a16:creationId xmlns:a16="http://schemas.microsoft.com/office/drawing/2014/main" xmlns="" id="{7E87C569-D426-4615-ADA7-B370EA98340A}"/>
+                <a16:creationId xmlns="" xmlns:a16="http://schemas.microsoft.com/office/drawing/2014/main" id="{7E87C569-D426-4615-ADA7-B370EA98340A}"/>
               </a:ext>
             </a:extLst>
           </p:cNvPr>
@@ -2653,7 +2653,7 @@
           <p:cNvPr id="36" name="Picture 35" descr="Slate-V2-HD-3colPhotoInset.png">
             <a:extLst>
               <a:ext uri="{FF2B5EF4-FFF2-40B4-BE49-F238E27FC236}">
-                <a16:creationId xmlns:a16="http://schemas.microsoft.com/office/drawing/2014/main" xmlns="" id="{7B353ED4-7AD0-46C9-88ED-1A16B1433AF7}"/>
+                <a16:creationId xmlns="" xmlns:a16="http://schemas.microsoft.com/office/drawing/2014/main" id="{7B353ED4-7AD0-46C9-88ED-1A16B1433AF7}"/>
               </a:ext>
             </a:extLst>
           </p:cNvPr>
@@ -2689,7 +2689,7 @@
           <p:cNvPr id="37" name="Picture 36" descr="Slate-V2-HD-3colPhotoInset.png">
             <a:extLst>
               <a:ext uri="{FF2B5EF4-FFF2-40B4-BE49-F238E27FC236}">
-                <a16:creationId xmlns:a16="http://schemas.microsoft.com/office/drawing/2014/main" xmlns="" id="{F561D985-AD57-459A-B3A6-EBF296039766}"/>
+                <a16:creationId xmlns="" xmlns:a16="http://schemas.microsoft.com/office/drawing/2014/main" id="{F561D985-AD57-459A-B3A6-EBF296039766}"/>
               </a:ext>
             </a:extLst>
           </p:cNvPr>
@@ -4155,7 +4155,7 @@
           <p:cNvPr id="20" name="Picture 19" descr="Slate-V2-HD-compPhotoInset.png">
             <a:extLst>
               <a:ext uri="{FF2B5EF4-FFF2-40B4-BE49-F238E27FC236}">
-                <a16:creationId xmlns:a16="http://schemas.microsoft.com/office/drawing/2014/main" xmlns="" id="{37B721FF-D609-4D98-9D19-CF75AA8A54FC}"/>
+                <a16:creationId xmlns="" xmlns:a16="http://schemas.microsoft.com/office/drawing/2014/main" id="{37B721FF-D609-4D98-9D19-CF75AA8A54FC}"/>
               </a:ext>
             </a:extLst>
           </p:cNvPr>
@@ -4191,7 +4191,7 @@
           <p:cNvPr id="21" name="Picture 20" descr="Slate-V2-HD-compPhotoInset.png">
             <a:extLst>
               <a:ext uri="{FF2B5EF4-FFF2-40B4-BE49-F238E27FC236}">
-                <a16:creationId xmlns:a16="http://schemas.microsoft.com/office/drawing/2014/main" xmlns="" id="{073936BD-C868-433F-8E84-D6DD8E640E3E}"/>
+                <a16:creationId xmlns="" xmlns:a16="http://schemas.microsoft.com/office/drawing/2014/main" id="{073936BD-C868-433F-8E84-D6DD8E640E3E}"/>
               </a:ext>
             </a:extLst>
           </p:cNvPr>
@@ -5107,7 +5107,7 @@
           <p:cNvPr id="22" name="Picture 21" descr="Slate-V2-HD-vertPhotoInset.png">
             <a:extLst>
               <a:ext uri="{FF2B5EF4-FFF2-40B4-BE49-F238E27FC236}">
-                <a16:creationId xmlns:a16="http://schemas.microsoft.com/office/drawing/2014/main" xmlns="" id="{4D06E496-ACBA-4063-B4A1-C5C484EE5A77}"/>
+                <a16:creationId xmlns="" xmlns:a16="http://schemas.microsoft.com/office/drawing/2014/main" id="{4D06E496-ACBA-4063-B4A1-C5C484EE5A77}"/>
               </a:ext>
             </a:extLst>
           </p:cNvPr>
@@ -6268,10 +6268,10 @@
           <p:cNvPr id="5" name="Picture 4">
             <a:extLst>
               <a:ext uri="{FF2B5EF4-FFF2-40B4-BE49-F238E27FC236}">
-                <a16:creationId xmlns:a16="http://schemas.microsoft.com/office/drawing/2014/main" xmlns="" id="{F8A1C807-B9AD-4C9B-BF9F-60F03428998E}"/>
+                <a16:creationId xmlns="" xmlns:a16="http://schemas.microsoft.com/office/drawing/2014/main" id="{F8A1C807-B9AD-4C9B-BF9F-60F03428998E}"/>
               </a:ext>
               <a:ext uri="{C183D7F6-B498-43B3-948B-1728B52AA6E4}">
-                <adec:decorative xmlns="" xmlns:adec="http://schemas.microsoft.com/office/drawing/2017/decorative" val="1"/>
+                <adec:decorative xmlns:adec="http://schemas.microsoft.com/office/drawing/2017/decorative" xmlns="" val="1"/>
               </a:ext>
             </a:extLst>
           </p:cNvPr>
@@ -6306,10 +6306,10 @@
           <p:cNvPr id="103" name="Freeform 5">
             <a:extLst>
               <a:ext uri="{FF2B5EF4-FFF2-40B4-BE49-F238E27FC236}">
-                <a16:creationId xmlns:a16="http://schemas.microsoft.com/office/drawing/2014/main" xmlns="" id="{FE469E50-3893-4ED6-92BA-2985C32B0CA6}"/>
+                <a16:creationId xmlns="" xmlns:a16="http://schemas.microsoft.com/office/drawing/2014/main" id="{FE469E50-3893-4ED6-92BA-2985C32B0CA6}"/>
               </a:ext>
               <a:ext uri="{C183D7F6-B498-43B3-948B-1728B52AA6E4}">
-                <adec:decorative xmlns="" xmlns:adec="http://schemas.microsoft.com/office/drawing/2017/decorative" val="1"/>
+                <adec:decorative xmlns:adec="http://schemas.microsoft.com/office/drawing/2017/decorative" xmlns="" val="1"/>
               </a:ext>
             </a:extLst>
           </p:cNvPr>
@@ -6319,7 +6319,7 @@
           <p:nvPr>
             <p:extLst>
               <p:ext uri="{386F3935-93C4-4BCD-93E2-E3B085C9AB24}">
-                <p16:designElem xmlns:p16="http://schemas.microsoft.com/office/powerpoint/2015/main" xmlns="" val="1"/>
+                <p16:designElem xmlns="" xmlns:p16="http://schemas.microsoft.com/office/powerpoint/2015/main" val="1"/>
               </p:ext>
             </p:extLst>
           </p:nvPr>
@@ -6483,7 +6483,7 @@
           </a:effectLst>
           <a:extLst>
             <a:ext uri="{91240B29-F687-4f45-9708-019B960494DF}">
-              <a14:hiddenLine xmlns="" xmlns:a14="http://schemas.microsoft.com/office/drawing/2010/main" xmlns:p14="http://schemas.microsoft.com/office/powerpoint/2010/main" xmlns:a16="http://schemas.microsoft.com/office/drawing/2014/main" w="9525">
+              <a14:hiddenLine xmlns:a16="http://schemas.microsoft.com/office/drawing/2014/main" xmlns:p14="http://schemas.microsoft.com/office/powerpoint/2010/main" xmlns:a14="http://schemas.microsoft.com/office/drawing/2010/main" xmlns="" w="9525">
                 <a:solidFill>
                   <a:srgbClr val="000000"/>
                 </a:solidFill>
@@ -6541,7 +6541,7 @@
           <p:cNvPr id="2" name="Title 1">
             <a:extLst>
               <a:ext uri="{FF2B5EF4-FFF2-40B4-BE49-F238E27FC236}">
-                <a16:creationId xmlns:a16="http://schemas.microsoft.com/office/drawing/2014/main" xmlns="" id="{0D1F047C-C727-42A7-85C5-68C5AA1B1A93}"/>
+                <a16:creationId xmlns="" xmlns:a16="http://schemas.microsoft.com/office/drawing/2014/main" id="{0D1F047C-C727-42A7-85C5-68C5AA1B1A93}"/>
               </a:ext>
             </a:extLst>
           </p:cNvPr>
@@ -6577,7 +6577,7 @@
           <p:cNvPr id="3" name="Subtitle 2">
             <a:extLst>
               <a:ext uri="{FF2B5EF4-FFF2-40B4-BE49-F238E27FC236}">
-                <a16:creationId xmlns:a16="http://schemas.microsoft.com/office/drawing/2014/main" xmlns="" id="{DB93FB3F-A8D4-46D3-A1C6-C79C64563729}"/>
+                <a16:creationId xmlns="" xmlns:a16="http://schemas.microsoft.com/office/drawing/2014/main" id="{DB93FB3F-A8D4-46D3-A1C6-C79C64563729}"/>
               </a:ext>
             </a:extLst>
           </p:cNvPr>
@@ -6635,7 +6635,6 @@
               <a:rPr lang="en-US" sz="2900" dirty="0" smtClean="0"/>
               <a:t>SETHI</a:t>
             </a:r>
-            <a:endParaRPr lang="en-US" sz="2900" dirty="0" smtClean="0"/>
           </a:p>
           <a:p>
             <a:pPr algn="r"/>
@@ -6711,10 +6710,10 @@
           <p:cNvPr id="55" name="Rectangle 54">
             <a:extLst>
               <a:ext uri="{FF2B5EF4-FFF2-40B4-BE49-F238E27FC236}">
-                <a16:creationId xmlns:a16="http://schemas.microsoft.com/office/drawing/2014/main" xmlns="" id="{0EF2A0DA-AE81-4A45-972E-646AC2870C2F}"/>
+                <a16:creationId xmlns="" xmlns:a16="http://schemas.microsoft.com/office/drawing/2014/main" id="{0EF2A0DA-AE81-4A45-972E-646AC2870C2F}"/>
               </a:ext>
               <a:ext uri="{C183D7F6-B498-43B3-948B-1728B52AA6E4}">
-                <adec:decorative xmlns="" xmlns:adec="http://schemas.microsoft.com/office/drawing/2017/decorative" val="1"/>
+                <adec:decorative xmlns:adec="http://schemas.microsoft.com/office/drawing/2017/decorative" xmlns="" val="1"/>
               </a:ext>
             </a:extLst>
           </p:cNvPr>
@@ -6724,7 +6723,7 @@
           <p:nvPr>
             <p:extLst>
               <p:ext uri="{386F3935-93C4-4BCD-93E2-E3B085C9AB24}">
-                <p16:designElem xmlns:p16="http://schemas.microsoft.com/office/powerpoint/2015/main" xmlns="" val="1"/>
+                <p16:designElem xmlns="" xmlns:p16="http://schemas.microsoft.com/office/powerpoint/2015/main" val="1"/>
               </p:ext>
             </p:extLst>
           </p:nvPr>
@@ -6800,10 +6799,10 @@
           <p:cNvPr id="3" name="Picture 2">
             <a:extLst>
               <a:ext uri="{FF2B5EF4-FFF2-40B4-BE49-F238E27FC236}">
-                <a16:creationId xmlns:a16="http://schemas.microsoft.com/office/drawing/2014/main" xmlns="" id="{72B2D6DE-C9B5-4678-91EF-77E85F2350DA}"/>
+                <a16:creationId xmlns="" xmlns:a16="http://schemas.microsoft.com/office/drawing/2014/main" id="{72B2D6DE-C9B5-4678-91EF-77E85F2350DA}"/>
               </a:ext>
               <a:ext uri="{C183D7F6-B498-43B3-948B-1728B52AA6E4}">
-                <adec:decorative xmlns="" xmlns:adec="http://schemas.microsoft.com/office/drawing/2017/decorative" val="1"/>
+                <adec:decorative xmlns:adec="http://schemas.microsoft.com/office/drawing/2017/decorative" xmlns="" val="1"/>
               </a:ext>
             </a:extLst>
           </p:cNvPr>
@@ -6838,10 +6837,10 @@
           <p:cNvPr id="57" name="Picture 56">
             <a:extLst>
               <a:ext uri="{FF2B5EF4-FFF2-40B4-BE49-F238E27FC236}">
-                <a16:creationId xmlns:a16="http://schemas.microsoft.com/office/drawing/2014/main" xmlns="" id="{B536FA4E-0152-4E27-91DA-0FC22D1846BB}"/>
+                <a16:creationId xmlns="" xmlns:a16="http://schemas.microsoft.com/office/drawing/2014/main" id="{B536FA4E-0152-4E27-91DA-0FC22D1846BB}"/>
               </a:ext>
               <a:ext uri="{C183D7F6-B498-43B3-948B-1728B52AA6E4}">
-                <adec:decorative xmlns="" xmlns:adec="http://schemas.microsoft.com/office/drawing/2017/decorative" val="1"/>
+                <adec:decorative xmlns:adec="http://schemas.microsoft.com/office/drawing/2017/decorative" xmlns="" val="1"/>
               </a:ext>
             </a:extLst>
           </p:cNvPr>
@@ -6851,7 +6850,7 @@
           <p:nvPr>
             <p:extLst>
               <p:ext uri="{386F3935-93C4-4BCD-93E2-E3B085C9AB24}">
-                <p16:designElem xmlns:p16="http://schemas.microsoft.com/office/powerpoint/2015/main" xmlns="" val="1"/>
+                <p16:designElem xmlns="" xmlns:p16="http://schemas.microsoft.com/office/powerpoint/2015/main" val="1"/>
               </p:ext>
             </p:extLst>
           </p:nvPr>
@@ -6882,7 +6881,7 @@
           <p:cNvPr id="2" name="Title 1">
             <a:extLst>
               <a:ext uri="{FF2B5EF4-FFF2-40B4-BE49-F238E27FC236}">
-                <a16:creationId xmlns:a16="http://schemas.microsoft.com/office/drawing/2014/main" xmlns="" id="{89559F60-4CE1-4E2F-86EA-1B60679F1F4A}"/>
+                <a16:creationId xmlns="" xmlns:a16="http://schemas.microsoft.com/office/drawing/2014/main" id="{89559F60-4CE1-4E2F-86EA-1B60679F1F4A}"/>
               </a:ext>
             </a:extLst>
           </p:cNvPr>
@@ -6918,7 +6917,7 @@
           <p:cNvPr id="24" name="Content Placeholder 2">
             <a:extLst>
               <a:ext uri="{FF2B5EF4-FFF2-40B4-BE49-F238E27FC236}">
-                <a16:creationId xmlns:a16="http://schemas.microsoft.com/office/drawing/2014/main" xmlns="" id="{F260476B-CCA6-412B-A9C5-399C34AE6F05}"/>
+                <a16:creationId xmlns="" xmlns:a16="http://schemas.microsoft.com/office/drawing/2014/main" id="{F260476B-CCA6-412B-A9C5-399C34AE6F05}"/>
               </a:ext>
             </a:extLst>
           </p:cNvPr>
@@ -7016,10 +7015,10 @@
           <p:cNvPr id="5" name="Picture 4">
             <a:extLst>
               <a:ext uri="{FF2B5EF4-FFF2-40B4-BE49-F238E27FC236}">
-                <a16:creationId xmlns:a16="http://schemas.microsoft.com/office/drawing/2014/main" xmlns="" id="{AE5BD593-ADC5-06FC-4E87-A00EA85A2211}"/>
+                <a16:creationId xmlns="" xmlns:a16="http://schemas.microsoft.com/office/drawing/2014/main" id="{AE5BD593-ADC5-06FC-4E87-A00EA85A2211}"/>
               </a:ext>
               <a:ext uri="{C183D7F6-B498-43B3-948B-1728B52AA6E4}">
-                <adec:decorative xmlns="" xmlns:adec="http://schemas.microsoft.com/office/drawing/2017/decorative" val="1"/>
+                <adec:decorative xmlns:adec="http://schemas.microsoft.com/office/drawing/2017/decorative" xmlns="" val="1"/>
               </a:ext>
             </a:extLst>
           </p:cNvPr>
@@ -7054,7 +7053,7 @@
           <p:cNvPr id="2" name="Title 1">
             <a:extLst>
               <a:ext uri="{FF2B5EF4-FFF2-40B4-BE49-F238E27FC236}">
-                <a16:creationId xmlns:a16="http://schemas.microsoft.com/office/drawing/2014/main" xmlns="" id="{7A5C6CBF-24E1-CB01-18DB-F00F9BAEFB9B}"/>
+                <a16:creationId xmlns="" xmlns:a16="http://schemas.microsoft.com/office/drawing/2014/main" id="{7A5C6CBF-24E1-CB01-18DB-F00F9BAEFB9B}"/>
               </a:ext>
             </a:extLst>
           </p:cNvPr>
@@ -7087,7 +7086,7 @@
           <p:cNvPr id="4" name="Text Placeholder 3">
             <a:extLst>
               <a:ext uri="{FF2B5EF4-FFF2-40B4-BE49-F238E27FC236}">
-                <a16:creationId xmlns:a16="http://schemas.microsoft.com/office/drawing/2014/main" xmlns="" id="{B6F1CCAC-87DE-A917-207D-89269584777C}"/>
+                <a16:creationId xmlns="" xmlns:a16="http://schemas.microsoft.com/office/drawing/2014/main" id="{B6F1CCAC-87DE-A917-207D-89269584777C}"/>
               </a:ext>
             </a:extLst>
           </p:cNvPr>
@@ -7186,7 +7185,7 @@
           <p:cNvPr id="2" name="Title 1">
             <a:extLst>
               <a:ext uri="{FF2B5EF4-FFF2-40B4-BE49-F238E27FC236}">
-                <a16:creationId xmlns:a16="http://schemas.microsoft.com/office/drawing/2014/main" xmlns="" id="{0D1F047C-C727-42A7-85C5-68C5AA1B1A93}"/>
+                <a16:creationId xmlns="" xmlns:a16="http://schemas.microsoft.com/office/drawing/2014/main" id="{0D1F047C-C727-42A7-85C5-68C5AA1B1A93}"/>
               </a:ext>
             </a:extLst>
           </p:cNvPr>
@@ -7225,7 +7224,7 @@
           <p:cNvPr id="6" name="Subtitle 5">
             <a:extLst>
               <a:ext uri="{FF2B5EF4-FFF2-40B4-BE49-F238E27FC236}">
-                <a16:creationId xmlns:a16="http://schemas.microsoft.com/office/drawing/2014/main" xmlns="" id="{BAA99A78-CD86-5967-5260-EE2651E8B3D4}"/>
+                <a16:creationId xmlns="" xmlns:a16="http://schemas.microsoft.com/office/drawing/2014/main" id="{BAA99A78-CD86-5967-5260-EE2651E8B3D4}"/>
               </a:ext>
             </a:extLst>
           </p:cNvPr>
@@ -7382,7 +7381,7 @@
           <p:cNvPr id="2" name="Title 1">
             <a:extLst>
               <a:ext uri="{FF2B5EF4-FFF2-40B4-BE49-F238E27FC236}">
-                <a16:creationId xmlns:a16="http://schemas.microsoft.com/office/drawing/2014/main" xmlns="" id="{8F874251-9E44-DEB1-3F5C-BB6E327F73E0}"/>
+                <a16:creationId xmlns="" xmlns:a16="http://schemas.microsoft.com/office/drawing/2014/main" id="{8F874251-9E44-DEB1-3F5C-BB6E327F73E0}"/>
               </a:ext>
             </a:extLst>
           </p:cNvPr>
@@ -7415,10 +7414,10 @@
           <p:cNvPr id="4" name="Picture 3">
             <a:extLst>
               <a:ext uri="{FF2B5EF4-FFF2-40B4-BE49-F238E27FC236}">
-                <a16:creationId xmlns:a16="http://schemas.microsoft.com/office/drawing/2014/main" xmlns="" id="{50B0088A-559F-F766-16BE-8547CE5507E5}"/>
+                <a16:creationId xmlns="" xmlns:a16="http://schemas.microsoft.com/office/drawing/2014/main" id="{50B0088A-559F-F766-16BE-8547CE5507E5}"/>
               </a:ext>
               <a:ext uri="{C183D7F6-B498-43B3-948B-1728B52AA6E4}">
-                <adec:decorative xmlns="" xmlns:adec="http://schemas.microsoft.com/office/drawing/2017/decorative" val="1"/>
+                <adec:decorative xmlns:adec="http://schemas.microsoft.com/office/drawing/2017/decorative" xmlns="" val="1"/>
               </a:ext>
             </a:extLst>
           </p:cNvPr>
@@ -7453,10 +7452,10 @@
           <p:cNvPr id="5" name="Picture 4">
             <a:extLst>
               <a:ext uri="{FF2B5EF4-FFF2-40B4-BE49-F238E27FC236}">
-                <a16:creationId xmlns:a16="http://schemas.microsoft.com/office/drawing/2014/main" xmlns="" id="{EF71BB8E-64D6-D74F-BC0E-9A581CBECC8E}"/>
+                <a16:creationId xmlns="" xmlns:a16="http://schemas.microsoft.com/office/drawing/2014/main" id="{EF71BB8E-64D6-D74F-BC0E-9A581CBECC8E}"/>
               </a:ext>
               <a:ext uri="{C183D7F6-B498-43B3-948B-1728B52AA6E4}">
-                <adec:decorative xmlns="" xmlns:adec="http://schemas.microsoft.com/office/drawing/2017/decorative" val="1"/>
+                <adec:decorative xmlns:adec="http://schemas.microsoft.com/office/drawing/2017/decorative" xmlns="" val="1"/>
               </a:ext>
             </a:extLst>
           </p:cNvPr>
@@ -7491,10 +7490,10 @@
           <p:cNvPr id="6" name="Picture 5">
             <a:extLst>
               <a:ext uri="{FF2B5EF4-FFF2-40B4-BE49-F238E27FC236}">
-                <a16:creationId xmlns:a16="http://schemas.microsoft.com/office/drawing/2014/main" xmlns="" id="{C6A71D68-0A5D-B01D-BA26-FC8A067348AC}"/>
+                <a16:creationId xmlns="" xmlns:a16="http://schemas.microsoft.com/office/drawing/2014/main" id="{C6A71D68-0A5D-B01D-BA26-FC8A067348AC}"/>
               </a:ext>
               <a:ext uri="{C183D7F6-B498-43B3-948B-1728B52AA6E4}">
-                <adec:decorative xmlns="" xmlns:adec="http://schemas.microsoft.com/office/drawing/2017/decorative" val="1"/>
+                <adec:decorative xmlns:adec="http://schemas.microsoft.com/office/drawing/2017/decorative" xmlns="" val="1"/>
               </a:ext>
             </a:extLst>
           </p:cNvPr>
@@ -7529,10 +7528,10 @@
           <p:cNvPr id="7" name="Picture 6">
             <a:extLst>
               <a:ext uri="{FF2B5EF4-FFF2-40B4-BE49-F238E27FC236}">
-                <a16:creationId xmlns:a16="http://schemas.microsoft.com/office/drawing/2014/main" xmlns="" id="{902D7502-5F1A-EE4D-F52A-D22C53FA13C9}"/>
+                <a16:creationId xmlns="" xmlns:a16="http://schemas.microsoft.com/office/drawing/2014/main" id="{902D7502-5F1A-EE4D-F52A-D22C53FA13C9}"/>
               </a:ext>
               <a:ext uri="{C183D7F6-B498-43B3-948B-1728B52AA6E4}">
-                <adec:decorative xmlns="" xmlns:adec="http://schemas.microsoft.com/office/drawing/2017/decorative" val="1"/>
+                <adec:decorative xmlns:adec="http://schemas.microsoft.com/office/drawing/2017/decorative" xmlns="" val="1"/>
               </a:ext>
             </a:extLst>
           </p:cNvPr>
@@ -7567,7 +7566,7 @@
           <p:cNvPr id="13" name="Rectangle 12">
             <a:extLst>
               <a:ext uri="{FF2B5EF4-FFF2-40B4-BE49-F238E27FC236}">
-                <a16:creationId xmlns:a16="http://schemas.microsoft.com/office/drawing/2014/main" xmlns="" id="{B1132F9F-BE86-63F2-49D6-C768A57697CE}"/>
+                <a16:creationId xmlns="" xmlns:a16="http://schemas.microsoft.com/office/drawing/2014/main" id="{B1132F9F-BE86-63F2-49D6-C768A57697CE}"/>
               </a:ext>
             </a:extLst>
           </p:cNvPr>
@@ -7621,7 +7620,7 @@
           <p:cNvPr id="14" name="Rectangle 13">
             <a:extLst>
               <a:ext uri="{FF2B5EF4-FFF2-40B4-BE49-F238E27FC236}">
-                <a16:creationId xmlns:a16="http://schemas.microsoft.com/office/drawing/2014/main" xmlns="" id="{1612D408-14BF-0369-89E8-E42A89B8FA32}"/>
+                <a16:creationId xmlns="" xmlns:a16="http://schemas.microsoft.com/office/drawing/2014/main" id="{1612D408-14BF-0369-89E8-E42A89B8FA32}"/>
               </a:ext>
             </a:extLst>
           </p:cNvPr>
@@ -7675,7 +7674,7 @@
           <p:cNvPr id="15" name="Rectangle 14">
             <a:extLst>
               <a:ext uri="{FF2B5EF4-FFF2-40B4-BE49-F238E27FC236}">
-                <a16:creationId xmlns:a16="http://schemas.microsoft.com/office/drawing/2014/main" xmlns="" id="{8A514CF4-F251-9C28-54BF-4B0A527CB6D1}"/>
+                <a16:creationId xmlns="" xmlns:a16="http://schemas.microsoft.com/office/drawing/2014/main" id="{8A514CF4-F251-9C28-54BF-4B0A527CB6D1}"/>
               </a:ext>
             </a:extLst>
           </p:cNvPr>
@@ -7729,7 +7728,7 @@
           <p:cNvPr id="16" name="Rectangle 15">
             <a:extLst>
               <a:ext uri="{FF2B5EF4-FFF2-40B4-BE49-F238E27FC236}">
-                <a16:creationId xmlns:a16="http://schemas.microsoft.com/office/drawing/2014/main" xmlns="" id="{A6ED21E0-FDB8-AE28-6AD3-7ADBDA8749B3}"/>
+                <a16:creationId xmlns="" xmlns:a16="http://schemas.microsoft.com/office/drawing/2014/main" id="{A6ED21E0-FDB8-AE28-6AD3-7ADBDA8749B3}"/>
               </a:ext>
             </a:extLst>
           </p:cNvPr>
@@ -7783,7 +7782,7 @@
           <p:cNvPr id="17" name="TextBox 16">
             <a:extLst>
               <a:ext uri="{FF2B5EF4-FFF2-40B4-BE49-F238E27FC236}">
-                <a16:creationId xmlns:a16="http://schemas.microsoft.com/office/drawing/2014/main" xmlns="" id="{1995D43D-9876-3119-D30A-76906A6F4CA0}"/>
+                <a16:creationId xmlns="" xmlns:a16="http://schemas.microsoft.com/office/drawing/2014/main" id="{1995D43D-9876-3119-D30A-76906A6F4CA0}"/>
               </a:ext>
             </a:extLst>
           </p:cNvPr>
@@ -7818,7 +7817,7 @@
           <p:cNvPr id="19" name="TextBox 18">
             <a:extLst>
               <a:ext uri="{FF2B5EF4-FFF2-40B4-BE49-F238E27FC236}">
-                <a16:creationId xmlns:a16="http://schemas.microsoft.com/office/drawing/2014/main" xmlns="" id="{1EAD0B7C-6E0E-F0B6-FB10-2002B0C97743}"/>
+                <a16:creationId xmlns="" xmlns:a16="http://schemas.microsoft.com/office/drawing/2014/main" id="{1EAD0B7C-6E0E-F0B6-FB10-2002B0C97743}"/>
               </a:ext>
             </a:extLst>
           </p:cNvPr>
@@ -7853,7 +7852,7 @@
           <p:cNvPr id="20" name="TextBox 19">
             <a:extLst>
               <a:ext uri="{FF2B5EF4-FFF2-40B4-BE49-F238E27FC236}">
-                <a16:creationId xmlns:a16="http://schemas.microsoft.com/office/drawing/2014/main" xmlns="" id="{A0809AA6-69E7-9636-ED0C-C755F1E7CA4D}"/>
+                <a16:creationId xmlns="" xmlns:a16="http://schemas.microsoft.com/office/drawing/2014/main" id="{A0809AA6-69E7-9636-ED0C-C755F1E7CA4D}"/>
               </a:ext>
             </a:extLst>
           </p:cNvPr>
@@ -7888,7 +7887,7 @@
           <p:cNvPr id="21" name="TextBox 20">
             <a:extLst>
               <a:ext uri="{FF2B5EF4-FFF2-40B4-BE49-F238E27FC236}">
-                <a16:creationId xmlns:a16="http://schemas.microsoft.com/office/drawing/2014/main" xmlns="" id="{09F2191C-651D-059C-27CA-EB5C25CA3867}"/>
+                <a16:creationId xmlns="" xmlns:a16="http://schemas.microsoft.com/office/drawing/2014/main" id="{09F2191C-651D-059C-27CA-EB5C25CA3867}"/>
               </a:ext>
             </a:extLst>
           </p:cNvPr>
@@ -7953,7 +7952,7 @@
           <p:cNvPr id="2" name="Title 1">
             <a:extLst>
               <a:ext uri="{FF2B5EF4-FFF2-40B4-BE49-F238E27FC236}">
-                <a16:creationId xmlns:a16="http://schemas.microsoft.com/office/drawing/2014/main" xmlns="" id="{CAD0EA13-B886-520F-581B-51F7F69D6647}"/>
+                <a16:creationId xmlns="" xmlns:a16="http://schemas.microsoft.com/office/drawing/2014/main" id="{CAD0EA13-B886-520F-581B-51F7F69D6647}"/>
               </a:ext>
             </a:extLst>
           </p:cNvPr>
@@ -7988,7 +7987,7 @@
           <p:cNvPr id="3" name="Text Placeholder 2">
             <a:extLst>
               <a:ext uri="{FF2B5EF4-FFF2-40B4-BE49-F238E27FC236}">
-                <a16:creationId xmlns:a16="http://schemas.microsoft.com/office/drawing/2014/main" xmlns="" id="{9369DAE5-92C1-4B11-6C2D-B13E6B330B34}"/>
+                <a16:creationId xmlns="" xmlns:a16="http://schemas.microsoft.com/office/drawing/2014/main" id="{9369DAE5-92C1-4B11-6C2D-B13E6B330B34}"/>
               </a:ext>
             </a:extLst>
           </p:cNvPr>
@@ -8002,50 +8001,94 @@
         <p:spPr>
           <a:xfrm>
             <a:off x="6297283" y="2113472"/>
-            <a:ext cx="4588667" cy="2983461"/>
-          </a:xfrm>
-        </p:spPr>
-        <p:txBody>
-          <a:bodyPr/>
+            <a:ext cx="4588667" cy="4675517"/>
+          </a:xfrm>
+        </p:spPr>
+        <p:txBody>
+          <a:bodyPr>
+            <a:normAutofit/>
+          </a:bodyPr>
           <a:lstStyle/>
           <a:p>
-            <a:pPr marL="457200" indent="-457200" algn="l">
+            <a:pPr algn="l"/>
+            <a:r>
+              <a:rPr lang="en-US" dirty="0" smtClean="0"/>
+              <a:t>Language:</a:t>
+            </a:r>
+            <a:endParaRPr lang="en-US" dirty="0" smtClean="0"/>
+          </a:p>
+          <a:p>
+            <a:pPr marL="914400" lvl="1" indent="-457200">
               <a:buFont typeface="Arial" panose="020B0604020202020204" pitchFamily="34" charset="0"/>
               <a:buChar char="•"/>
             </a:pPr>
             <a:r>
               <a:rPr lang="en-US" dirty="0" smtClean="0"/>
-              <a:t>Modern C</a:t>
+              <a:t>Modern </a:t>
+            </a:r>
+            <a:r>
+              <a:rPr lang="en-US" dirty="0" smtClean="0"/>
+              <a:t>C</a:t>
             </a:r>
             <a:r>
               <a:rPr lang="en-US" dirty="0" smtClean="0"/>
               <a:t>++</a:t>
             </a:r>
+          </a:p>
+          <a:p>
+            <a:pPr algn="l"/>
+            <a:r>
+              <a:rPr lang="en-US" dirty="0" smtClean="0"/>
+              <a:t>Version Control System:</a:t>
+            </a:r>
             <a:endParaRPr lang="en-US" dirty="0"/>
           </a:p>
           <a:p>
-            <a:pPr marL="457200" indent="-457200" algn="l">
+            <a:pPr marL="914400" lvl="1" indent="-457200">
               <a:buFont typeface="Arial" panose="020B0604020202020204" pitchFamily="34" charset="0"/>
               <a:buChar char="•"/>
             </a:pPr>
             <a:r>
               <a:rPr lang="en-US" dirty="0" smtClean="0"/>
-              <a:t>GitHub </a:t>
-            </a:r>
-          </a:p>
-          <a:p>
-            <a:pPr marL="457200" indent="-457200" algn="l">
+              <a:t>GitHub</a:t>
+            </a:r>
+          </a:p>
+          <a:p>
+            <a:pPr algn="l"/>
+            <a:r>
+              <a:rPr lang="en-US" dirty="0" smtClean="0"/>
+              <a:t>IDE:</a:t>
+            </a:r>
+            <a:r>
+              <a:rPr lang="en-US" dirty="0" smtClean="0"/>
+              <a:t> </a:t>
+            </a:r>
+            <a:endParaRPr lang="en-US" dirty="0" smtClean="0"/>
+          </a:p>
+          <a:p>
+            <a:pPr marL="914400" lvl="1" indent="-457200">
               <a:buFont typeface="Arial" panose="020B0604020202020204" pitchFamily="34" charset="0"/>
               <a:buChar char="•"/>
             </a:pPr>
             <a:r>
               <a:rPr lang="en-US" dirty="0" smtClean="0"/>
-              <a:t>Rad Studio</a:t>
+              <a:t>Rad </a:t>
+            </a:r>
+            <a:r>
+              <a:rPr lang="en-US" dirty="0" smtClean="0"/>
+              <a:t>Studio</a:t>
+            </a:r>
+          </a:p>
+          <a:p>
+            <a:pPr algn="l"/>
+            <a:r>
+              <a:rPr lang="en-US" dirty="0" smtClean="0"/>
+              <a:t>Framework:</a:t>
             </a:r>
             <a:endParaRPr lang="en-US" dirty="0"/>
           </a:p>
           <a:p>
-            <a:pPr marL="457200" indent="-457200" algn="l">
+            <a:pPr marL="914400" lvl="1" indent="-457200">
               <a:buFont typeface="Arial" panose="020B0604020202020204" pitchFamily="34" charset="0"/>
               <a:buChar char="•"/>
             </a:pPr>
@@ -8062,10 +8105,10 @@
           <p:cNvPr id="4" name="Picture 3">
             <a:extLst>
               <a:ext uri="{FF2B5EF4-FFF2-40B4-BE49-F238E27FC236}">
-                <a16:creationId xmlns:a16="http://schemas.microsoft.com/office/drawing/2014/main" xmlns="" id="{3277EFD1-D941-D4D9-5157-CAE41D654846}"/>
+                <a16:creationId xmlns="" xmlns:a16="http://schemas.microsoft.com/office/drawing/2014/main" id="{3277EFD1-D941-D4D9-5157-CAE41D654846}"/>
               </a:ext>
               <a:ext uri="{C183D7F6-B498-43B3-948B-1728B52AA6E4}">
-                <adec:decorative xmlns="" xmlns:adec="http://schemas.microsoft.com/office/drawing/2017/decorative" val="1"/>
+                <adec:decorative xmlns:adec="http://schemas.microsoft.com/office/drawing/2017/decorative" xmlns="" val="1"/>
               </a:ext>
             </a:extLst>
           </p:cNvPr>
@@ -8130,7 +8173,7 @@
           <p:cNvPr id="2" name="Title 1">
             <a:extLst>
               <a:ext uri="{FF2B5EF4-FFF2-40B4-BE49-F238E27FC236}">
-                <a16:creationId xmlns:a16="http://schemas.microsoft.com/office/drawing/2014/main" xmlns="" id="{33F29128-0846-6872-52F6-3FCDA8FD4CEA}"/>
+                <a16:creationId xmlns="" xmlns:a16="http://schemas.microsoft.com/office/drawing/2014/main" id="{33F29128-0846-6872-52F6-3FCDA8FD4CEA}"/>
               </a:ext>
             </a:extLst>
           </p:cNvPr>
@@ -8167,7 +8210,7 @@
           <p:cNvPr id="3" name="TextBox 2">
             <a:extLst>
               <a:ext uri="{FF2B5EF4-FFF2-40B4-BE49-F238E27FC236}">
-                <a16:creationId xmlns:a16="http://schemas.microsoft.com/office/drawing/2014/main" xmlns="" id="{484788C6-8A6F-5453-D895-7D65E1629B7B}"/>
+                <a16:creationId xmlns="" xmlns:a16="http://schemas.microsoft.com/office/drawing/2014/main" id="{484788C6-8A6F-5453-D895-7D65E1629B7B}"/>
               </a:ext>
             </a:extLst>
           </p:cNvPr>
@@ -8774,24 +8817,6 @@
 </file>
 
 <file path=customXml/item1.xml><?xml version="1.0" encoding="utf-8"?>
-<p:properties xmlns:p="http://schemas.microsoft.com/office/2006/metadata/properties" xmlns:xsi="http://www.w3.org/2001/XMLSchema-instance" xmlns:pc="http://schemas.microsoft.com/office/infopath/2007/PartnerControls">
-  <documentManagement>
-    <Status xmlns="71af3243-3dd4-4a8d-8c0d-dd76da1f02a5">Not started</Status>
-    <MediaServiceKeyPoints xmlns="71af3243-3dd4-4a8d-8c0d-dd76da1f02a5" xsi:nil="true"/>
-  </documentManagement>
-</p:properties>
-</file>
-
-<file path=customXml/item2.xml><?xml version="1.0" encoding="utf-8"?>
-<?mso-contentType ?>
-<FormTemplates xmlns="http://schemas.microsoft.com/sharepoint/v3/contenttype/forms">
-  <Display>DocumentLibraryForm</Display>
-  <Edit>DocumentLibraryForm</Edit>
-  <New>DocumentLibraryForm</New>
-</FormTemplates>
-</file>
-
-<file path=customXml/item3.xml><?xml version="1.0" encoding="utf-8"?>
 <ct:contentTypeSchema xmlns:ct="http://schemas.microsoft.com/office/2006/metadata/contentType" xmlns:ma="http://schemas.microsoft.com/office/2006/metadata/properties/metaAttributes" ct:_="" ma:_="" ma:contentTypeName="Document" ma:contentTypeID="0x01010079F111ED35F8CC479449609E8A0923A6" ma:contentTypeVersion="12" ma:contentTypeDescription="Create a new document." ma:contentTypeScope="" ma:versionID="a410dd7f93c95333ffa1b60ed6adedd1">
   <xsd:schema xmlns:xsd="http://www.w3.org/2001/XMLSchema" xmlns:xs="http://www.w3.org/2001/XMLSchema" xmlns:p="http://schemas.microsoft.com/office/2006/metadata/properties" xmlns:ns2="71af3243-3dd4-4a8d-8c0d-dd76da1f02a5" xmlns:ns3="16c05727-aa75-4e4a-9b5f-8a80a1165891" targetNamespace="http://schemas.microsoft.com/office/2006/metadata/properties" ma:root="true" ma:fieldsID="a936d9baba76aa3866493feff160faab" ns2:_="" ns3:_="">
     <xsd:import namespace="71af3243-3dd4-4a8d-8c0d-dd76da1f02a5"/>
@@ -9012,32 +9037,25 @@
 </ct:contentTypeSchema>
 </file>
 
-<file path=customXml/itemProps1.xml><?xml version="1.0" encoding="utf-8"?>
-<ds:datastoreItem xmlns:ds="http://schemas.openxmlformats.org/officeDocument/2006/customXml" ds:itemID="{2C4C00F4-06E9-43E3-AD97-88A857CEFA82}">
-  <ds:schemaRefs>
-    <ds:schemaRef ds:uri="http://schemas.openxmlformats.org/package/2006/metadata/core-properties"/>
-    <ds:schemaRef ds:uri="http://purl.org/dc/terms/"/>
-    <ds:schemaRef ds:uri="http://schemas.microsoft.com/office/infopath/2007/PartnerControls"/>
-    <ds:schemaRef ds:uri="http://schemas.microsoft.com/office/2006/documentManagement/types"/>
-    <ds:schemaRef ds:uri="http://purl.org/dc/dcmitype/"/>
-    <ds:schemaRef ds:uri="http://schemas.microsoft.com/office/2006/metadata/properties"/>
-    <ds:schemaRef ds:uri="71af3243-3dd4-4a8d-8c0d-dd76da1f02a5"/>
-    <ds:schemaRef ds:uri="http://purl.org/dc/elements/1.1/"/>
-    <ds:schemaRef ds:uri="16c05727-aa75-4e4a-9b5f-8a80a1165891"/>
-    <ds:schemaRef ds:uri="http://www.w3.org/XML/1998/namespace"/>
-  </ds:schemaRefs>
-</ds:datastoreItem>
+<file path=customXml/item2.xml><?xml version="1.0" encoding="utf-8"?>
+<?mso-contentType ?>
+<FormTemplates xmlns="http://schemas.microsoft.com/sharepoint/v3/contenttype/forms">
+  <Display>DocumentLibraryForm</Display>
+  <Edit>DocumentLibraryForm</Edit>
+  <New>DocumentLibraryForm</New>
+</FormTemplates>
 </file>
 
-<file path=customXml/itemProps2.xml><?xml version="1.0" encoding="utf-8"?>
-<ds:datastoreItem xmlns:ds="http://schemas.openxmlformats.org/officeDocument/2006/customXml" ds:itemID="{64B270AB-C138-415C-897E-3C24487DECF1}">
-  <ds:schemaRefs>
-    <ds:schemaRef ds:uri="http://schemas.microsoft.com/sharepoint/v3/contenttype/forms"/>
-  </ds:schemaRefs>
-</ds:datastoreItem>
+<file path=customXml/item3.xml><?xml version="1.0" encoding="utf-8"?>
+<p:properties xmlns:p="http://schemas.microsoft.com/office/2006/metadata/properties" xmlns:xsi="http://www.w3.org/2001/XMLSchema-instance" xmlns:pc="http://schemas.microsoft.com/office/infopath/2007/PartnerControls">
+  <documentManagement>
+    <Status xmlns="71af3243-3dd4-4a8d-8c0d-dd76da1f02a5">Not started</Status>
+    <MediaServiceKeyPoints xmlns="71af3243-3dd4-4a8d-8c0d-dd76da1f02a5" xsi:nil="true"/>
+  </documentManagement>
+</p:properties>
 </file>
 
-<file path=customXml/itemProps3.xml><?xml version="1.0" encoding="utf-8"?>
+<file path=customXml/itemProps1.xml><?xml version="1.0" encoding="utf-8"?>
 <ds:datastoreItem xmlns:ds="http://schemas.openxmlformats.org/officeDocument/2006/customXml" ds:itemID="{0585E981-8C91-4205-A0C3-C991F42B4C9E}">
   <ds:schemaRefs>
     <ds:schemaRef ds:uri="http://schemas.microsoft.com/office/2006/metadata/contentType"/>
@@ -9054,4 +9072,29 @@
     <ds:schemaRef ds:uri="http://schemas.microsoft.com/internal/obd"/>
   </ds:schemaRefs>
 </ds:datastoreItem>
+</file>
+
+<file path=customXml/itemProps2.xml><?xml version="1.0" encoding="utf-8"?>
+<ds:datastoreItem xmlns:ds="http://schemas.openxmlformats.org/officeDocument/2006/customXml" ds:itemID="{64B270AB-C138-415C-897E-3C24487DECF1}">
+  <ds:schemaRefs>
+    <ds:schemaRef ds:uri="http://schemas.microsoft.com/sharepoint/v3/contenttype/forms"/>
+  </ds:schemaRefs>
+</ds:datastoreItem>
+</file>
+
+<file path=customXml/itemProps3.xml><?xml version="1.0" encoding="utf-8"?>
+<ds:datastoreItem xmlns:ds="http://schemas.openxmlformats.org/officeDocument/2006/customXml" ds:itemID="{2C4C00F4-06E9-43E3-AD97-88A857CEFA82}">
+  <ds:schemaRefs>
+    <ds:schemaRef ds:uri="http://schemas.openxmlformats.org/package/2006/metadata/core-properties"/>
+    <ds:schemaRef ds:uri="http://purl.org/dc/terms/"/>
+    <ds:schemaRef ds:uri="http://schemas.microsoft.com/office/infopath/2007/PartnerControls"/>
+    <ds:schemaRef ds:uri="http://schemas.microsoft.com/office/2006/documentManagement/types"/>
+    <ds:schemaRef ds:uri="http://purl.org/dc/dcmitype/"/>
+    <ds:schemaRef ds:uri="http://schemas.microsoft.com/office/2006/metadata/properties"/>
+    <ds:schemaRef ds:uri="71af3243-3dd4-4a8d-8c0d-dd76da1f02a5"/>
+    <ds:schemaRef ds:uri="http://purl.org/dc/elements/1.1/"/>
+    <ds:schemaRef ds:uri="16c05727-aa75-4e4a-9b5f-8a80a1165891"/>
+    <ds:schemaRef ds:uri="http://www.w3.org/XML/1998/namespace"/>
+  </ds:schemaRefs>
+</ds:datastoreItem>
 </file>
--- a/doc/2D_CAD_PROGRAM[1].pptx
+++ b/doc/2D_CAD_PROGRAM[1].pptx
@@ -883,7 +883,7 @@
           <p:cNvPr id="16" name="Picture 15" descr="Slate-V2-HD-panoPhotoInset.png">
             <a:extLst>
               <a:ext uri="{FF2B5EF4-FFF2-40B4-BE49-F238E27FC236}">
-                <a16:creationId xmlns="" xmlns:a16="http://schemas.microsoft.com/office/drawing/2014/main" id="{CE39118B-B3AD-4BD4-BA22-DEFF4E76CE9A}"/>
+                <a16:creationId xmlns:a16="http://schemas.microsoft.com/office/drawing/2014/main" id="{CE39118B-B3AD-4BD4-BA22-DEFF4E76CE9A}"/>
               </a:ext>
             </a:extLst>
           </p:cNvPr>
@@ -1614,7 +1614,7 @@
           <p:cNvPr id="11" name="TextBox 10">
             <a:extLst>
               <a:ext uri="{FF2B5EF4-FFF2-40B4-BE49-F238E27FC236}">
-                <a16:creationId xmlns="" xmlns:a16="http://schemas.microsoft.com/office/drawing/2014/main" id="{223F0D53-0705-41B7-8554-09D21E7807F9}"/>
+                <a16:creationId xmlns:a16="http://schemas.microsoft.com/office/drawing/2014/main" id="{223F0D53-0705-41B7-8554-09D21E7807F9}"/>
               </a:ext>
             </a:extLst>
           </p:cNvPr>
@@ -1736,7 +1736,7 @@
           <p:cNvPr id="13" name="TextBox 12">
             <a:extLst>
               <a:ext uri="{FF2B5EF4-FFF2-40B4-BE49-F238E27FC236}">
-                <a16:creationId xmlns="" xmlns:a16="http://schemas.microsoft.com/office/drawing/2014/main" id="{C7F647CD-0F1A-4BB3-89E0-A74F1E1B098D}"/>
+                <a16:creationId xmlns:a16="http://schemas.microsoft.com/office/drawing/2014/main" id="{C7F647CD-0F1A-4BB3-89E0-A74F1E1B098D}"/>
               </a:ext>
             </a:extLst>
           </p:cNvPr>
@@ -2617,7 +2617,7 @@
           <p:cNvPr id="2" name="Picture 1" descr="Slate-V2-HD-3colPhotoInset.png">
             <a:extLst>
               <a:ext uri="{FF2B5EF4-FFF2-40B4-BE49-F238E27FC236}">
-                <a16:creationId xmlns="" xmlns:a16="http://schemas.microsoft.com/office/drawing/2014/main" id="{7E87C569-D426-4615-ADA7-B370EA98340A}"/>
+                <a16:creationId xmlns:a16="http://schemas.microsoft.com/office/drawing/2014/main" id="{7E87C569-D426-4615-ADA7-B370EA98340A}"/>
               </a:ext>
             </a:extLst>
           </p:cNvPr>
@@ -2653,7 +2653,7 @@
           <p:cNvPr id="36" name="Picture 35" descr="Slate-V2-HD-3colPhotoInset.png">
             <a:extLst>
               <a:ext uri="{FF2B5EF4-FFF2-40B4-BE49-F238E27FC236}">
-                <a16:creationId xmlns="" xmlns:a16="http://schemas.microsoft.com/office/drawing/2014/main" id="{7B353ED4-7AD0-46C9-88ED-1A16B1433AF7}"/>
+                <a16:creationId xmlns:a16="http://schemas.microsoft.com/office/drawing/2014/main" id="{7B353ED4-7AD0-46C9-88ED-1A16B1433AF7}"/>
               </a:ext>
             </a:extLst>
           </p:cNvPr>
@@ -2689,7 +2689,7 @@
           <p:cNvPr id="37" name="Picture 36" descr="Slate-V2-HD-3colPhotoInset.png">
             <a:extLst>
               <a:ext uri="{FF2B5EF4-FFF2-40B4-BE49-F238E27FC236}">
-                <a16:creationId xmlns="" xmlns:a16="http://schemas.microsoft.com/office/drawing/2014/main" id="{F561D985-AD57-459A-B3A6-EBF296039766}"/>
+                <a16:creationId xmlns:a16="http://schemas.microsoft.com/office/drawing/2014/main" id="{F561D985-AD57-459A-B3A6-EBF296039766}"/>
               </a:ext>
             </a:extLst>
           </p:cNvPr>
@@ -4155,7 +4155,7 @@
           <p:cNvPr id="20" name="Picture 19" descr="Slate-V2-HD-compPhotoInset.png">
             <a:extLst>
               <a:ext uri="{FF2B5EF4-FFF2-40B4-BE49-F238E27FC236}">
-                <a16:creationId xmlns="" xmlns:a16="http://schemas.microsoft.com/office/drawing/2014/main" id="{37B721FF-D609-4D98-9D19-CF75AA8A54FC}"/>
+                <a16:creationId xmlns:a16="http://schemas.microsoft.com/office/drawing/2014/main" id="{37B721FF-D609-4D98-9D19-CF75AA8A54FC}"/>
               </a:ext>
             </a:extLst>
           </p:cNvPr>
@@ -4191,7 +4191,7 @@
           <p:cNvPr id="21" name="Picture 20" descr="Slate-V2-HD-compPhotoInset.png">
             <a:extLst>
               <a:ext uri="{FF2B5EF4-FFF2-40B4-BE49-F238E27FC236}">
-                <a16:creationId xmlns="" xmlns:a16="http://schemas.microsoft.com/office/drawing/2014/main" id="{073936BD-C868-433F-8E84-D6DD8E640E3E}"/>
+                <a16:creationId xmlns:a16="http://schemas.microsoft.com/office/drawing/2014/main" id="{073936BD-C868-433F-8E84-D6DD8E640E3E}"/>
               </a:ext>
             </a:extLst>
           </p:cNvPr>
@@ -5107,7 +5107,7 @@
           <p:cNvPr id="22" name="Picture 21" descr="Slate-V2-HD-vertPhotoInset.png">
             <a:extLst>
               <a:ext uri="{FF2B5EF4-FFF2-40B4-BE49-F238E27FC236}">
-                <a16:creationId xmlns="" xmlns:a16="http://schemas.microsoft.com/office/drawing/2014/main" id="{4D06E496-ACBA-4063-B4A1-C5C484EE5A77}"/>
+                <a16:creationId xmlns:a16="http://schemas.microsoft.com/office/drawing/2014/main" id="{4D06E496-ACBA-4063-B4A1-C5C484EE5A77}"/>
               </a:ext>
             </a:extLst>
           </p:cNvPr>
@@ -6268,7 +6268,7 @@
           <p:cNvPr id="5" name="Picture 4">
             <a:extLst>
               <a:ext uri="{FF2B5EF4-FFF2-40B4-BE49-F238E27FC236}">
-                <a16:creationId xmlns="" xmlns:a16="http://schemas.microsoft.com/office/drawing/2014/main" id="{F8A1C807-B9AD-4C9B-BF9F-60F03428998E}"/>
+                <a16:creationId xmlns:a16="http://schemas.microsoft.com/office/drawing/2014/main" id="{F8A1C807-B9AD-4C9B-BF9F-60F03428998E}"/>
               </a:ext>
               <a:ext uri="{C183D7F6-B498-43B3-948B-1728B52AA6E4}">
                 <adec:decorative xmlns:adec="http://schemas.microsoft.com/office/drawing/2017/decorative" xmlns="" val="1"/>
@@ -6306,7 +6306,7 @@
           <p:cNvPr id="103" name="Freeform 5">
             <a:extLst>
               <a:ext uri="{FF2B5EF4-FFF2-40B4-BE49-F238E27FC236}">
-                <a16:creationId xmlns="" xmlns:a16="http://schemas.microsoft.com/office/drawing/2014/main" id="{FE469E50-3893-4ED6-92BA-2985C32B0CA6}"/>
+                <a16:creationId xmlns:a16="http://schemas.microsoft.com/office/drawing/2014/main" id="{FE469E50-3893-4ED6-92BA-2985C32B0CA6}"/>
               </a:ext>
               <a:ext uri="{C183D7F6-B498-43B3-948B-1728B52AA6E4}">
                 <adec:decorative xmlns:adec="http://schemas.microsoft.com/office/drawing/2017/decorative" xmlns="" val="1"/>
@@ -6319,7 +6319,7 @@
           <p:nvPr>
             <p:extLst>
               <p:ext uri="{386F3935-93C4-4BCD-93E2-E3B085C9AB24}">
-                <p16:designElem xmlns="" xmlns:p16="http://schemas.microsoft.com/office/powerpoint/2015/main" val="1"/>
+                <p16:designElem xmlns:p16="http://schemas.microsoft.com/office/powerpoint/2015/main" val="1"/>
               </p:ext>
             </p:extLst>
           </p:nvPr>
@@ -6541,7 +6541,7 @@
           <p:cNvPr id="2" name="Title 1">
             <a:extLst>
               <a:ext uri="{FF2B5EF4-FFF2-40B4-BE49-F238E27FC236}">
-                <a16:creationId xmlns="" xmlns:a16="http://schemas.microsoft.com/office/drawing/2014/main" id="{0D1F047C-C727-42A7-85C5-68C5AA1B1A93}"/>
+                <a16:creationId xmlns:a16="http://schemas.microsoft.com/office/drawing/2014/main" id="{0D1F047C-C727-42A7-85C5-68C5AA1B1A93}"/>
               </a:ext>
             </a:extLst>
           </p:cNvPr>
@@ -6577,7 +6577,7 @@
           <p:cNvPr id="3" name="Subtitle 2">
             <a:extLst>
               <a:ext uri="{FF2B5EF4-FFF2-40B4-BE49-F238E27FC236}">
-                <a16:creationId xmlns="" xmlns:a16="http://schemas.microsoft.com/office/drawing/2014/main" id="{DB93FB3F-A8D4-46D3-A1C6-C79C64563729}"/>
+                <a16:creationId xmlns:a16="http://schemas.microsoft.com/office/drawing/2014/main" id="{DB93FB3F-A8D4-46D3-A1C6-C79C64563729}"/>
               </a:ext>
             </a:extLst>
           </p:cNvPr>
@@ -6710,7 +6710,7 @@
           <p:cNvPr id="55" name="Rectangle 54">
             <a:extLst>
               <a:ext uri="{FF2B5EF4-FFF2-40B4-BE49-F238E27FC236}">
-                <a16:creationId xmlns="" xmlns:a16="http://schemas.microsoft.com/office/drawing/2014/main" id="{0EF2A0DA-AE81-4A45-972E-646AC2870C2F}"/>
+                <a16:creationId xmlns:a16="http://schemas.microsoft.com/office/drawing/2014/main" id="{0EF2A0DA-AE81-4A45-972E-646AC2870C2F}"/>
               </a:ext>
               <a:ext uri="{C183D7F6-B498-43B3-948B-1728B52AA6E4}">
                 <adec:decorative xmlns:adec="http://schemas.microsoft.com/office/drawing/2017/decorative" xmlns="" val="1"/>
@@ -6723,7 +6723,7 @@
           <p:nvPr>
             <p:extLst>
               <p:ext uri="{386F3935-93C4-4BCD-93E2-E3B085C9AB24}">
-                <p16:designElem xmlns="" xmlns:p16="http://schemas.microsoft.com/office/powerpoint/2015/main" val="1"/>
+                <p16:designElem xmlns:p16="http://schemas.microsoft.com/office/powerpoint/2015/main" val="1"/>
               </p:ext>
             </p:extLst>
           </p:nvPr>
@@ -6799,7 +6799,7 @@
           <p:cNvPr id="3" name="Picture 2">
             <a:extLst>
               <a:ext uri="{FF2B5EF4-FFF2-40B4-BE49-F238E27FC236}">
-                <a16:creationId xmlns="" xmlns:a16="http://schemas.microsoft.com/office/drawing/2014/main" id="{72B2D6DE-C9B5-4678-91EF-77E85F2350DA}"/>
+                <a16:creationId xmlns:a16="http://schemas.microsoft.com/office/drawing/2014/main" id="{72B2D6DE-C9B5-4678-91EF-77E85F2350DA}"/>
               </a:ext>
               <a:ext uri="{C183D7F6-B498-43B3-948B-1728B52AA6E4}">
                 <adec:decorative xmlns:adec="http://schemas.microsoft.com/office/drawing/2017/decorative" xmlns="" val="1"/>
@@ -6837,7 +6837,7 @@
           <p:cNvPr id="57" name="Picture 56">
             <a:extLst>
               <a:ext uri="{FF2B5EF4-FFF2-40B4-BE49-F238E27FC236}">
-                <a16:creationId xmlns="" xmlns:a16="http://schemas.microsoft.com/office/drawing/2014/main" id="{B536FA4E-0152-4E27-91DA-0FC22D1846BB}"/>
+                <a16:creationId xmlns:a16="http://schemas.microsoft.com/office/drawing/2014/main" id="{B536FA4E-0152-4E27-91DA-0FC22D1846BB}"/>
               </a:ext>
               <a:ext uri="{C183D7F6-B498-43B3-948B-1728B52AA6E4}">
                 <adec:decorative xmlns:adec="http://schemas.microsoft.com/office/drawing/2017/decorative" xmlns="" val="1"/>
@@ -6850,7 +6850,7 @@
           <p:nvPr>
             <p:extLst>
               <p:ext uri="{386F3935-93C4-4BCD-93E2-E3B085C9AB24}">
-                <p16:designElem xmlns="" xmlns:p16="http://schemas.microsoft.com/office/powerpoint/2015/main" val="1"/>
+                <p16:designElem xmlns:p16="http://schemas.microsoft.com/office/powerpoint/2015/main" val="1"/>
               </p:ext>
             </p:extLst>
           </p:nvPr>
@@ -6881,7 +6881,7 @@
           <p:cNvPr id="2" name="Title 1">
             <a:extLst>
               <a:ext uri="{FF2B5EF4-FFF2-40B4-BE49-F238E27FC236}">
-                <a16:creationId xmlns="" xmlns:a16="http://schemas.microsoft.com/office/drawing/2014/main" id="{89559F60-4CE1-4E2F-86EA-1B60679F1F4A}"/>
+                <a16:creationId xmlns:a16="http://schemas.microsoft.com/office/drawing/2014/main" id="{89559F60-4CE1-4E2F-86EA-1B60679F1F4A}"/>
               </a:ext>
             </a:extLst>
           </p:cNvPr>
@@ -6917,7 +6917,7 @@
           <p:cNvPr id="24" name="Content Placeholder 2">
             <a:extLst>
               <a:ext uri="{FF2B5EF4-FFF2-40B4-BE49-F238E27FC236}">
-                <a16:creationId xmlns="" xmlns:a16="http://schemas.microsoft.com/office/drawing/2014/main" id="{F260476B-CCA6-412B-A9C5-399C34AE6F05}"/>
+                <a16:creationId xmlns:a16="http://schemas.microsoft.com/office/drawing/2014/main" id="{F260476B-CCA6-412B-A9C5-399C34AE6F05}"/>
               </a:ext>
             </a:extLst>
           </p:cNvPr>
@@ -7015,7 +7015,7 @@
           <p:cNvPr id="5" name="Picture 4">
             <a:extLst>
               <a:ext uri="{FF2B5EF4-FFF2-40B4-BE49-F238E27FC236}">
-                <a16:creationId xmlns="" xmlns:a16="http://schemas.microsoft.com/office/drawing/2014/main" id="{AE5BD593-ADC5-06FC-4E87-A00EA85A2211}"/>
+                <a16:creationId xmlns:a16="http://schemas.microsoft.com/office/drawing/2014/main" id="{AE5BD593-ADC5-06FC-4E87-A00EA85A2211}"/>
               </a:ext>
               <a:ext uri="{C183D7F6-B498-43B3-948B-1728B52AA6E4}">
                 <adec:decorative xmlns:adec="http://schemas.microsoft.com/office/drawing/2017/decorative" xmlns="" val="1"/>
@@ -7053,7 +7053,7 @@
           <p:cNvPr id="2" name="Title 1">
             <a:extLst>
               <a:ext uri="{FF2B5EF4-FFF2-40B4-BE49-F238E27FC236}">
-                <a16:creationId xmlns="" xmlns:a16="http://schemas.microsoft.com/office/drawing/2014/main" id="{7A5C6CBF-24E1-CB01-18DB-F00F9BAEFB9B}"/>
+                <a16:creationId xmlns:a16="http://schemas.microsoft.com/office/drawing/2014/main" id="{7A5C6CBF-24E1-CB01-18DB-F00F9BAEFB9B}"/>
               </a:ext>
             </a:extLst>
           </p:cNvPr>
@@ -7086,7 +7086,7 @@
           <p:cNvPr id="4" name="Text Placeholder 3">
             <a:extLst>
               <a:ext uri="{FF2B5EF4-FFF2-40B4-BE49-F238E27FC236}">
-                <a16:creationId xmlns="" xmlns:a16="http://schemas.microsoft.com/office/drawing/2014/main" id="{B6F1CCAC-87DE-A917-207D-89269584777C}"/>
+                <a16:creationId xmlns:a16="http://schemas.microsoft.com/office/drawing/2014/main" id="{B6F1CCAC-87DE-A917-207D-89269584777C}"/>
               </a:ext>
             </a:extLst>
           </p:cNvPr>
@@ -7185,7 +7185,7 @@
           <p:cNvPr id="2" name="Title 1">
             <a:extLst>
               <a:ext uri="{FF2B5EF4-FFF2-40B4-BE49-F238E27FC236}">
-                <a16:creationId xmlns="" xmlns:a16="http://schemas.microsoft.com/office/drawing/2014/main" id="{0D1F047C-C727-42A7-85C5-68C5AA1B1A93}"/>
+                <a16:creationId xmlns:a16="http://schemas.microsoft.com/office/drawing/2014/main" id="{0D1F047C-C727-42A7-85C5-68C5AA1B1A93}"/>
               </a:ext>
             </a:extLst>
           </p:cNvPr>
@@ -7224,7 +7224,7 @@
           <p:cNvPr id="6" name="Subtitle 5">
             <a:extLst>
               <a:ext uri="{FF2B5EF4-FFF2-40B4-BE49-F238E27FC236}">
-                <a16:creationId xmlns="" xmlns:a16="http://schemas.microsoft.com/office/drawing/2014/main" id="{BAA99A78-CD86-5967-5260-EE2651E8B3D4}"/>
+                <a16:creationId xmlns:a16="http://schemas.microsoft.com/office/drawing/2014/main" id="{BAA99A78-CD86-5967-5260-EE2651E8B3D4}"/>
               </a:ext>
             </a:extLst>
           </p:cNvPr>
@@ -7243,7 +7243,7 @@
         </p:spPr>
         <p:txBody>
           <a:bodyPr>
-            <a:normAutofit fontScale="40000" lnSpcReduction="20000"/>
+            <a:normAutofit fontScale="32500" lnSpcReduction="20000"/>
           </a:bodyPr>
           <a:lstStyle/>
           <a:p>
@@ -7313,7 +7313,17 @@
               <a:rPr lang="en-US" sz="6000" dirty="0" smtClean="0"/>
               <a:t>Knowledge of Geometric Kernel:- For Seeing the images of the Shapes on the screen we need it.   </a:t>
             </a:r>
-            <a:endParaRPr lang="en-US" sz="6000" dirty="0"/>
+          </a:p>
+          <a:p>
+            <a:pPr marL="1200150" lvl="1" indent="-742950" algn="l">
+              <a:buFont typeface="Wingdings 2" charset="2"/>
+              <a:buAutoNum type="arabicPeriod"/>
+            </a:pPr>
+            <a:r>
+              <a:rPr lang="en-US" sz="5800" dirty="0" err="1" smtClean="0"/>
+              <a:t>yOUYGVBBBBNJNKJNJKNKJNJK</a:t>
+            </a:r>
+            <a:endParaRPr lang="en-US" sz="5800" dirty="0"/>
           </a:p>
           <a:p>
             <a:pPr algn="l"/>
@@ -7381,7 +7391,7 @@
           <p:cNvPr id="2" name="Title 1">
             <a:extLst>
               <a:ext uri="{FF2B5EF4-FFF2-40B4-BE49-F238E27FC236}">
-                <a16:creationId xmlns="" xmlns:a16="http://schemas.microsoft.com/office/drawing/2014/main" id="{8F874251-9E44-DEB1-3F5C-BB6E327F73E0}"/>
+                <a16:creationId xmlns:a16="http://schemas.microsoft.com/office/drawing/2014/main" id="{8F874251-9E44-DEB1-3F5C-BB6E327F73E0}"/>
               </a:ext>
             </a:extLst>
           </p:cNvPr>
@@ -7414,7 +7424,7 @@
           <p:cNvPr id="4" name="Picture 3">
             <a:extLst>
               <a:ext uri="{FF2B5EF4-FFF2-40B4-BE49-F238E27FC236}">
-                <a16:creationId xmlns="" xmlns:a16="http://schemas.microsoft.com/office/drawing/2014/main" id="{50B0088A-559F-F766-16BE-8547CE5507E5}"/>
+                <a16:creationId xmlns:a16="http://schemas.microsoft.com/office/drawing/2014/main" id="{50B0088A-559F-F766-16BE-8547CE5507E5}"/>
               </a:ext>
               <a:ext uri="{C183D7F6-B498-43B3-948B-1728B52AA6E4}">
                 <adec:decorative xmlns:adec="http://schemas.microsoft.com/office/drawing/2017/decorative" xmlns="" val="1"/>
@@ -7452,7 +7462,7 @@
           <p:cNvPr id="5" name="Picture 4">
             <a:extLst>
               <a:ext uri="{FF2B5EF4-FFF2-40B4-BE49-F238E27FC236}">
-                <a16:creationId xmlns="" xmlns:a16="http://schemas.microsoft.com/office/drawing/2014/main" id="{EF71BB8E-64D6-D74F-BC0E-9A581CBECC8E}"/>
+                <a16:creationId xmlns:a16="http://schemas.microsoft.com/office/drawing/2014/main" id="{EF71BB8E-64D6-D74F-BC0E-9A581CBECC8E}"/>
               </a:ext>
               <a:ext uri="{C183D7F6-B498-43B3-948B-1728B52AA6E4}">
                 <adec:decorative xmlns:adec="http://schemas.microsoft.com/office/drawing/2017/decorative" xmlns="" val="1"/>
@@ -7490,7 +7500,7 @@
           <p:cNvPr id="6" name="Picture 5">
             <a:extLst>
               <a:ext uri="{FF2B5EF4-FFF2-40B4-BE49-F238E27FC236}">
-                <a16:creationId xmlns="" xmlns:a16="http://schemas.microsoft.com/office/drawing/2014/main" id="{C6A71D68-0A5D-B01D-BA26-FC8A067348AC}"/>
+                <a16:creationId xmlns:a16="http://schemas.microsoft.com/office/drawing/2014/main" id="{C6A71D68-0A5D-B01D-BA26-FC8A067348AC}"/>
               </a:ext>
               <a:ext uri="{C183D7F6-B498-43B3-948B-1728B52AA6E4}">
                 <adec:decorative xmlns:adec="http://schemas.microsoft.com/office/drawing/2017/decorative" xmlns="" val="1"/>
@@ -7528,7 +7538,7 @@
           <p:cNvPr id="7" name="Picture 6">
             <a:extLst>
               <a:ext uri="{FF2B5EF4-FFF2-40B4-BE49-F238E27FC236}">
-                <a16:creationId xmlns="" xmlns:a16="http://schemas.microsoft.com/office/drawing/2014/main" id="{902D7502-5F1A-EE4D-F52A-D22C53FA13C9}"/>
+                <a16:creationId xmlns:a16="http://schemas.microsoft.com/office/drawing/2014/main" id="{902D7502-5F1A-EE4D-F52A-D22C53FA13C9}"/>
               </a:ext>
               <a:ext uri="{C183D7F6-B498-43B3-948B-1728B52AA6E4}">
                 <adec:decorative xmlns:adec="http://schemas.microsoft.com/office/drawing/2017/decorative" xmlns="" val="1"/>
@@ -7566,7 +7576,7 @@
           <p:cNvPr id="13" name="Rectangle 12">
             <a:extLst>
               <a:ext uri="{FF2B5EF4-FFF2-40B4-BE49-F238E27FC236}">
-                <a16:creationId xmlns="" xmlns:a16="http://schemas.microsoft.com/office/drawing/2014/main" id="{B1132F9F-BE86-63F2-49D6-C768A57697CE}"/>
+                <a16:creationId xmlns:a16="http://schemas.microsoft.com/office/drawing/2014/main" id="{B1132F9F-BE86-63F2-49D6-C768A57697CE}"/>
               </a:ext>
             </a:extLst>
           </p:cNvPr>
@@ -7620,7 +7630,7 @@
           <p:cNvPr id="14" name="Rectangle 13">
             <a:extLst>
               <a:ext uri="{FF2B5EF4-FFF2-40B4-BE49-F238E27FC236}">
-                <a16:creationId xmlns="" xmlns:a16="http://schemas.microsoft.com/office/drawing/2014/main" id="{1612D408-14BF-0369-89E8-E42A89B8FA32}"/>
+                <a16:creationId xmlns:a16="http://schemas.microsoft.com/office/drawing/2014/main" id="{1612D408-14BF-0369-89E8-E42A89B8FA32}"/>
               </a:ext>
             </a:extLst>
           </p:cNvPr>
@@ -7674,7 +7684,7 @@
           <p:cNvPr id="15" name="Rectangle 14">
             <a:extLst>
               <a:ext uri="{FF2B5EF4-FFF2-40B4-BE49-F238E27FC236}">
-                <a16:creationId xmlns="" xmlns:a16="http://schemas.microsoft.com/office/drawing/2014/main" id="{8A514CF4-F251-9C28-54BF-4B0A527CB6D1}"/>
+                <a16:creationId xmlns:a16="http://schemas.microsoft.com/office/drawing/2014/main" id="{8A514CF4-F251-9C28-54BF-4B0A527CB6D1}"/>
               </a:ext>
             </a:extLst>
           </p:cNvPr>
@@ -7728,7 +7738,7 @@
           <p:cNvPr id="16" name="Rectangle 15">
             <a:extLst>
               <a:ext uri="{FF2B5EF4-FFF2-40B4-BE49-F238E27FC236}">
-                <a16:creationId xmlns="" xmlns:a16="http://schemas.microsoft.com/office/drawing/2014/main" id="{A6ED21E0-FDB8-AE28-6AD3-7ADBDA8749B3}"/>
+                <a16:creationId xmlns:a16="http://schemas.microsoft.com/office/drawing/2014/main" id="{A6ED21E0-FDB8-AE28-6AD3-7ADBDA8749B3}"/>
               </a:ext>
             </a:extLst>
           </p:cNvPr>
@@ -7782,7 +7792,7 @@
           <p:cNvPr id="17" name="TextBox 16">
             <a:extLst>
               <a:ext uri="{FF2B5EF4-FFF2-40B4-BE49-F238E27FC236}">
-                <a16:creationId xmlns="" xmlns:a16="http://schemas.microsoft.com/office/drawing/2014/main" id="{1995D43D-9876-3119-D30A-76906A6F4CA0}"/>
+                <a16:creationId xmlns:a16="http://schemas.microsoft.com/office/drawing/2014/main" id="{1995D43D-9876-3119-D30A-76906A6F4CA0}"/>
               </a:ext>
             </a:extLst>
           </p:cNvPr>
@@ -7817,7 +7827,7 @@
           <p:cNvPr id="19" name="TextBox 18">
             <a:extLst>
               <a:ext uri="{FF2B5EF4-FFF2-40B4-BE49-F238E27FC236}">
-                <a16:creationId xmlns="" xmlns:a16="http://schemas.microsoft.com/office/drawing/2014/main" id="{1EAD0B7C-6E0E-F0B6-FB10-2002B0C97743}"/>
+                <a16:creationId xmlns:a16="http://schemas.microsoft.com/office/drawing/2014/main" id="{1EAD0B7C-6E0E-F0B6-FB10-2002B0C97743}"/>
               </a:ext>
             </a:extLst>
           </p:cNvPr>
@@ -7852,7 +7862,7 @@
           <p:cNvPr id="20" name="TextBox 19">
             <a:extLst>
               <a:ext uri="{FF2B5EF4-FFF2-40B4-BE49-F238E27FC236}">
-                <a16:creationId xmlns="" xmlns:a16="http://schemas.microsoft.com/office/drawing/2014/main" id="{A0809AA6-69E7-9636-ED0C-C755F1E7CA4D}"/>
+                <a16:creationId xmlns:a16="http://schemas.microsoft.com/office/drawing/2014/main" id="{A0809AA6-69E7-9636-ED0C-C755F1E7CA4D}"/>
               </a:ext>
             </a:extLst>
           </p:cNvPr>
@@ -7887,7 +7897,7 @@
           <p:cNvPr id="21" name="TextBox 20">
             <a:extLst>
               <a:ext uri="{FF2B5EF4-FFF2-40B4-BE49-F238E27FC236}">
-                <a16:creationId xmlns="" xmlns:a16="http://schemas.microsoft.com/office/drawing/2014/main" id="{09F2191C-651D-059C-27CA-EB5C25CA3867}"/>
+                <a16:creationId xmlns:a16="http://schemas.microsoft.com/office/drawing/2014/main" id="{09F2191C-651D-059C-27CA-EB5C25CA3867}"/>
               </a:ext>
             </a:extLst>
           </p:cNvPr>
@@ -7952,7 +7962,7 @@
           <p:cNvPr id="2" name="Title 1">
             <a:extLst>
               <a:ext uri="{FF2B5EF4-FFF2-40B4-BE49-F238E27FC236}">
-                <a16:creationId xmlns="" xmlns:a16="http://schemas.microsoft.com/office/drawing/2014/main" id="{CAD0EA13-B886-520F-581B-51F7F69D6647}"/>
+                <a16:creationId xmlns:a16="http://schemas.microsoft.com/office/drawing/2014/main" id="{CAD0EA13-B886-520F-581B-51F7F69D6647}"/>
               </a:ext>
             </a:extLst>
           </p:cNvPr>
@@ -7987,7 +7997,7 @@
           <p:cNvPr id="3" name="Text Placeholder 2">
             <a:extLst>
               <a:ext uri="{FF2B5EF4-FFF2-40B4-BE49-F238E27FC236}">
-                <a16:creationId xmlns="" xmlns:a16="http://schemas.microsoft.com/office/drawing/2014/main" id="{9369DAE5-92C1-4B11-6C2D-B13E6B330B34}"/>
+                <a16:creationId xmlns:a16="http://schemas.microsoft.com/office/drawing/2014/main" id="{9369DAE5-92C1-4B11-6C2D-B13E6B330B34}"/>
               </a:ext>
             </a:extLst>
           </p:cNvPr>
@@ -8015,7 +8025,6 @@
               <a:rPr lang="en-US" dirty="0" smtClean="0"/>
               <a:t>Language:</a:t>
             </a:r>
-            <a:endParaRPr lang="en-US" dirty="0" smtClean="0"/>
           </a:p>
           <a:p>
             <a:pPr marL="914400" lvl="1" indent="-457200">
@@ -8024,15 +8033,7 @@
             </a:pPr>
             <a:r>
               <a:rPr lang="en-US" dirty="0" smtClean="0"/>
-              <a:t>Modern </a:t>
-            </a:r>
-            <a:r>
-              <a:rPr lang="en-US" dirty="0" smtClean="0"/>
-              <a:t>C</a:t>
-            </a:r>
-            <a:r>
-              <a:rPr lang="en-US" dirty="0" smtClean="0"/>
-              <a:t>++</a:t>
+              <a:t>Modern C++</a:t>
             </a:r>
           </a:p>
           <a:p>
@@ -8057,13 +8058,8 @@
             <a:pPr algn="l"/>
             <a:r>
               <a:rPr lang="en-US" dirty="0" smtClean="0"/>
-              <a:t>IDE:</a:t>
-            </a:r>
-            <a:r>
-              <a:rPr lang="en-US" dirty="0" smtClean="0"/>
-              <a:t> </a:t>
-            </a:r>
-            <a:endParaRPr lang="en-US" dirty="0" smtClean="0"/>
+              <a:t>IDE: </a:t>
+            </a:r>
           </a:p>
           <a:p>
             <a:pPr marL="914400" lvl="1" indent="-457200">
@@ -8072,11 +8068,7 @@
             </a:pPr>
             <a:r>
               <a:rPr lang="en-US" dirty="0" smtClean="0"/>
-              <a:t>Rad </a:t>
-            </a:r>
-            <a:r>
-              <a:rPr lang="en-US" dirty="0" smtClean="0"/>
-              <a:t>Studio</a:t>
+              <a:t>Rad Studio</a:t>
             </a:r>
           </a:p>
           <a:p>
@@ -8105,7 +8097,7 @@
           <p:cNvPr id="4" name="Picture 3">
             <a:extLst>
               <a:ext uri="{FF2B5EF4-FFF2-40B4-BE49-F238E27FC236}">
-                <a16:creationId xmlns="" xmlns:a16="http://schemas.microsoft.com/office/drawing/2014/main" id="{3277EFD1-D941-D4D9-5157-CAE41D654846}"/>
+                <a16:creationId xmlns:a16="http://schemas.microsoft.com/office/drawing/2014/main" id="{3277EFD1-D941-D4D9-5157-CAE41D654846}"/>
               </a:ext>
               <a:ext uri="{C183D7F6-B498-43B3-948B-1728B52AA6E4}">
                 <adec:decorative xmlns:adec="http://schemas.microsoft.com/office/drawing/2017/decorative" xmlns="" val="1"/>
@@ -8173,7 +8165,7 @@
           <p:cNvPr id="2" name="Title 1">
             <a:extLst>
               <a:ext uri="{FF2B5EF4-FFF2-40B4-BE49-F238E27FC236}">
-                <a16:creationId xmlns="" xmlns:a16="http://schemas.microsoft.com/office/drawing/2014/main" id="{33F29128-0846-6872-52F6-3FCDA8FD4CEA}"/>
+                <a16:creationId xmlns:a16="http://schemas.microsoft.com/office/drawing/2014/main" id="{33F29128-0846-6872-52F6-3FCDA8FD4CEA}"/>
               </a:ext>
             </a:extLst>
           </p:cNvPr>
@@ -8210,7 +8202,7 @@
           <p:cNvPr id="3" name="TextBox 2">
             <a:extLst>
               <a:ext uri="{FF2B5EF4-FFF2-40B4-BE49-F238E27FC236}">
-                <a16:creationId xmlns="" xmlns:a16="http://schemas.microsoft.com/office/drawing/2014/main" id="{484788C6-8A6F-5453-D895-7D65E1629B7B}"/>
+                <a16:creationId xmlns:a16="http://schemas.microsoft.com/office/drawing/2014/main" id="{484788C6-8A6F-5453-D895-7D65E1629B7B}"/>
               </a:ext>
             </a:extLst>
           </p:cNvPr>

--- a/doc/2D_CAD_PROGRAM[1].pptx
+++ b/doc/2D_CAD_PROGRAM[1].pptx
@@ -883,7 +883,7 @@
           <p:cNvPr id="16" name="Picture 15" descr="Slate-V2-HD-panoPhotoInset.png">
             <a:extLst>
               <a:ext uri="{FF2B5EF4-FFF2-40B4-BE49-F238E27FC236}">
-                <a16:creationId xmlns:a16="http://schemas.microsoft.com/office/drawing/2014/main" id="{CE39118B-B3AD-4BD4-BA22-DEFF4E76CE9A}"/>
+                <a16:creationId xmlns:a16="http://schemas.microsoft.com/office/drawing/2014/main" xmlns="" id="{CE39118B-B3AD-4BD4-BA22-DEFF4E76CE9A}"/>
               </a:ext>
             </a:extLst>
           </p:cNvPr>
@@ -1614,7 +1614,7 @@
           <p:cNvPr id="11" name="TextBox 10">
             <a:extLst>
               <a:ext uri="{FF2B5EF4-FFF2-40B4-BE49-F238E27FC236}">
-                <a16:creationId xmlns:a16="http://schemas.microsoft.com/office/drawing/2014/main" id="{223F0D53-0705-41B7-8554-09D21E7807F9}"/>
+                <a16:creationId xmlns:a16="http://schemas.microsoft.com/office/drawing/2014/main" xmlns="" id="{223F0D53-0705-41B7-8554-09D21E7807F9}"/>
               </a:ext>
             </a:extLst>
           </p:cNvPr>
@@ -1736,7 +1736,7 @@
           <p:cNvPr id="13" name="TextBox 12">
             <a:extLst>
               <a:ext uri="{FF2B5EF4-FFF2-40B4-BE49-F238E27FC236}">
-                <a16:creationId xmlns:a16="http://schemas.microsoft.com/office/drawing/2014/main" id="{C7F647CD-0F1A-4BB3-89E0-A74F1E1B098D}"/>
+                <a16:creationId xmlns:a16="http://schemas.microsoft.com/office/drawing/2014/main" xmlns="" id="{C7F647CD-0F1A-4BB3-89E0-A74F1E1B098D}"/>
               </a:ext>
             </a:extLst>
           </p:cNvPr>
@@ -2617,7 +2617,7 @@
           <p:cNvPr id="2" name="Picture 1" descr="Slate-V2-HD-3colPhotoInset.png">
             <a:extLst>
               <a:ext uri="{FF2B5EF4-FFF2-40B4-BE49-F238E27FC236}">
-                <a16:creationId xmlns:a16="http://schemas.microsoft.com/office/drawing/2014/main" id="{7E87C569-D426-4615-ADA7-B370EA98340A}"/>
+                <a16:creationId xmlns:a16="http://schemas.microsoft.com/office/drawing/2014/main" xmlns="" id="{7E87C569-D426-4615-ADA7-B370EA98340A}"/>
               </a:ext>
             </a:extLst>
           </p:cNvPr>
@@ -2653,7 +2653,7 @@
           <p:cNvPr id="36" name="Picture 35" descr="Slate-V2-HD-3colPhotoInset.png">
             <a:extLst>
               <a:ext uri="{FF2B5EF4-FFF2-40B4-BE49-F238E27FC236}">
-                <a16:creationId xmlns:a16="http://schemas.microsoft.com/office/drawing/2014/main" id="{7B353ED4-7AD0-46C9-88ED-1A16B1433AF7}"/>
+                <a16:creationId xmlns:a16="http://schemas.microsoft.com/office/drawing/2014/main" xmlns="" id="{7B353ED4-7AD0-46C9-88ED-1A16B1433AF7}"/>
               </a:ext>
             </a:extLst>
           </p:cNvPr>
@@ -2689,7 +2689,7 @@
           <p:cNvPr id="37" name="Picture 36" descr="Slate-V2-HD-3colPhotoInset.png">
             <a:extLst>
               <a:ext uri="{FF2B5EF4-FFF2-40B4-BE49-F238E27FC236}">
-                <a16:creationId xmlns:a16="http://schemas.microsoft.com/office/drawing/2014/main" id="{F561D985-AD57-459A-B3A6-EBF296039766}"/>
+                <a16:creationId xmlns:a16="http://schemas.microsoft.com/office/drawing/2014/main" xmlns="" id="{F561D985-AD57-459A-B3A6-EBF296039766}"/>
               </a:ext>
             </a:extLst>
           </p:cNvPr>
@@ -4155,7 +4155,7 @@
           <p:cNvPr id="20" name="Picture 19" descr="Slate-V2-HD-compPhotoInset.png">
             <a:extLst>
               <a:ext uri="{FF2B5EF4-FFF2-40B4-BE49-F238E27FC236}">
-                <a16:creationId xmlns:a16="http://schemas.microsoft.com/office/drawing/2014/main" id="{37B721FF-D609-4D98-9D19-CF75AA8A54FC}"/>
+                <a16:creationId xmlns:a16="http://schemas.microsoft.com/office/drawing/2014/main" xmlns="" id="{37B721FF-D609-4D98-9D19-CF75AA8A54FC}"/>
               </a:ext>
             </a:extLst>
           </p:cNvPr>
@@ -4191,7 +4191,7 @@
           <p:cNvPr id="21" name="Picture 20" descr="Slate-V2-HD-compPhotoInset.png">
             <a:extLst>
               <a:ext uri="{FF2B5EF4-FFF2-40B4-BE49-F238E27FC236}">
-                <a16:creationId xmlns:a16="http://schemas.microsoft.com/office/drawing/2014/main" id="{073936BD-C868-433F-8E84-D6DD8E640E3E}"/>
+                <a16:creationId xmlns:a16="http://schemas.microsoft.com/office/drawing/2014/main" xmlns="" id="{073936BD-C868-433F-8E84-D6DD8E640E3E}"/>
               </a:ext>
             </a:extLst>
           </p:cNvPr>
@@ -5107,7 +5107,7 @@
           <p:cNvPr id="22" name="Picture 21" descr="Slate-V2-HD-vertPhotoInset.png">
             <a:extLst>
               <a:ext uri="{FF2B5EF4-FFF2-40B4-BE49-F238E27FC236}">
-                <a16:creationId xmlns:a16="http://schemas.microsoft.com/office/drawing/2014/main" id="{4D06E496-ACBA-4063-B4A1-C5C484EE5A77}"/>
+                <a16:creationId xmlns:a16="http://schemas.microsoft.com/office/drawing/2014/main" xmlns="" id="{4D06E496-ACBA-4063-B4A1-C5C484EE5A77}"/>
               </a:ext>
             </a:extLst>
           </p:cNvPr>
@@ -6268,10 +6268,10 @@
           <p:cNvPr id="5" name="Picture 4">
             <a:extLst>
               <a:ext uri="{FF2B5EF4-FFF2-40B4-BE49-F238E27FC236}">
-                <a16:creationId xmlns:a16="http://schemas.microsoft.com/office/drawing/2014/main" id="{F8A1C807-B9AD-4C9B-BF9F-60F03428998E}"/>
+                <a16:creationId xmlns:a16="http://schemas.microsoft.com/office/drawing/2014/main" xmlns="" id="{F8A1C807-B9AD-4C9B-BF9F-60F03428998E}"/>
               </a:ext>
               <a:ext uri="{C183D7F6-B498-43B3-948B-1728B52AA6E4}">
-                <adec:decorative xmlns:adec="http://schemas.microsoft.com/office/drawing/2017/decorative" xmlns="" val="1"/>
+                <adec:decorative xmlns="" xmlns:adec="http://schemas.microsoft.com/office/drawing/2017/decorative" val="1"/>
               </a:ext>
             </a:extLst>
           </p:cNvPr>
@@ -6306,10 +6306,10 @@
           <p:cNvPr id="103" name="Freeform 5">
             <a:extLst>
               <a:ext uri="{FF2B5EF4-FFF2-40B4-BE49-F238E27FC236}">
-                <a16:creationId xmlns:a16="http://schemas.microsoft.com/office/drawing/2014/main" id="{FE469E50-3893-4ED6-92BA-2985C32B0CA6}"/>
+                <a16:creationId xmlns:a16="http://schemas.microsoft.com/office/drawing/2014/main" xmlns="" id="{FE469E50-3893-4ED6-92BA-2985C32B0CA6}"/>
               </a:ext>
               <a:ext uri="{C183D7F6-B498-43B3-948B-1728B52AA6E4}">
-                <adec:decorative xmlns:adec="http://schemas.microsoft.com/office/drawing/2017/decorative" xmlns="" val="1"/>
+                <adec:decorative xmlns="" xmlns:adec="http://schemas.microsoft.com/office/drawing/2017/decorative" val="1"/>
               </a:ext>
             </a:extLst>
           </p:cNvPr>
@@ -6319,7 +6319,7 @@
           <p:nvPr>
             <p:extLst>
               <p:ext uri="{386F3935-93C4-4BCD-93E2-E3B085C9AB24}">
-                <p16:designElem xmlns:p16="http://schemas.microsoft.com/office/powerpoint/2015/main" val="1"/>
+                <p16:designElem xmlns:p16="http://schemas.microsoft.com/office/powerpoint/2015/main" xmlns="" val="1"/>
               </p:ext>
             </p:extLst>
           </p:nvPr>
@@ -6483,7 +6483,7 @@
           </a:effectLst>
           <a:extLst>
             <a:ext uri="{91240B29-F687-4f45-9708-019B960494DF}">
-              <a14:hiddenLine xmlns:a16="http://schemas.microsoft.com/office/drawing/2014/main" xmlns:p14="http://schemas.microsoft.com/office/powerpoint/2010/main" xmlns:a14="http://schemas.microsoft.com/office/drawing/2010/main" xmlns="" w="9525">
+              <a14:hiddenLine xmlns="" xmlns:a14="http://schemas.microsoft.com/office/drawing/2010/main" xmlns:p14="http://schemas.microsoft.com/office/powerpoint/2010/main" xmlns:a16="http://schemas.microsoft.com/office/drawing/2014/main" w="9525">
                 <a:solidFill>
                   <a:srgbClr val="000000"/>
                 </a:solidFill>
@@ -6541,7 +6541,7 @@
           <p:cNvPr id="2" name="Title 1">
             <a:extLst>
               <a:ext uri="{FF2B5EF4-FFF2-40B4-BE49-F238E27FC236}">
-                <a16:creationId xmlns:a16="http://schemas.microsoft.com/office/drawing/2014/main" id="{0D1F047C-C727-42A7-85C5-68C5AA1B1A93}"/>
+                <a16:creationId xmlns:a16="http://schemas.microsoft.com/office/drawing/2014/main" xmlns="" id="{0D1F047C-C727-42A7-85C5-68C5AA1B1A93}"/>
               </a:ext>
             </a:extLst>
           </p:cNvPr>
@@ -6577,7 +6577,7 @@
           <p:cNvPr id="3" name="Subtitle 2">
             <a:extLst>
               <a:ext uri="{FF2B5EF4-FFF2-40B4-BE49-F238E27FC236}">
-                <a16:creationId xmlns:a16="http://schemas.microsoft.com/office/drawing/2014/main" id="{DB93FB3F-A8D4-46D3-A1C6-C79C64563729}"/>
+                <a16:creationId xmlns:a16="http://schemas.microsoft.com/office/drawing/2014/main" xmlns="" id="{DB93FB3F-A8D4-46D3-A1C6-C79C64563729}"/>
               </a:ext>
             </a:extLst>
           </p:cNvPr>
@@ -6710,10 +6710,10 @@
           <p:cNvPr id="55" name="Rectangle 54">
             <a:extLst>
               <a:ext uri="{FF2B5EF4-FFF2-40B4-BE49-F238E27FC236}">
-                <a16:creationId xmlns:a16="http://schemas.microsoft.com/office/drawing/2014/main" id="{0EF2A0DA-AE81-4A45-972E-646AC2870C2F}"/>
+                <a16:creationId xmlns:a16="http://schemas.microsoft.com/office/drawing/2014/main" xmlns="" id="{0EF2A0DA-AE81-4A45-972E-646AC2870C2F}"/>
               </a:ext>
               <a:ext uri="{C183D7F6-B498-43B3-948B-1728B52AA6E4}">
-                <adec:decorative xmlns:adec="http://schemas.microsoft.com/office/drawing/2017/decorative" xmlns="" val="1"/>
+                <adec:decorative xmlns="" xmlns:adec="http://schemas.microsoft.com/office/drawing/2017/decorative" val="1"/>
               </a:ext>
             </a:extLst>
           </p:cNvPr>
@@ -6723,7 +6723,7 @@
           <p:nvPr>
             <p:extLst>
               <p:ext uri="{386F3935-93C4-4BCD-93E2-E3B085C9AB24}">
-                <p16:designElem xmlns:p16="http://schemas.microsoft.com/office/powerpoint/2015/main" val="1"/>
+                <p16:designElem xmlns:p16="http://schemas.microsoft.com/office/powerpoint/2015/main" xmlns="" val="1"/>
               </p:ext>
             </p:extLst>
           </p:nvPr>
@@ -6799,10 +6799,10 @@
           <p:cNvPr id="3" name="Picture 2">
             <a:extLst>
               <a:ext uri="{FF2B5EF4-FFF2-40B4-BE49-F238E27FC236}">
-                <a16:creationId xmlns:a16="http://schemas.microsoft.com/office/drawing/2014/main" id="{72B2D6DE-C9B5-4678-91EF-77E85F2350DA}"/>
+                <a16:creationId xmlns:a16="http://schemas.microsoft.com/office/drawing/2014/main" xmlns="" id="{72B2D6DE-C9B5-4678-91EF-77E85F2350DA}"/>
               </a:ext>
               <a:ext uri="{C183D7F6-B498-43B3-948B-1728B52AA6E4}">
-                <adec:decorative xmlns:adec="http://schemas.microsoft.com/office/drawing/2017/decorative" xmlns="" val="1"/>
+                <adec:decorative xmlns="" xmlns:adec="http://schemas.microsoft.com/office/drawing/2017/decorative" val="1"/>
               </a:ext>
             </a:extLst>
           </p:cNvPr>
@@ -6837,10 +6837,10 @@
           <p:cNvPr id="57" name="Picture 56">
             <a:extLst>
               <a:ext uri="{FF2B5EF4-FFF2-40B4-BE49-F238E27FC236}">
-                <a16:creationId xmlns:a16="http://schemas.microsoft.com/office/drawing/2014/main" id="{B536FA4E-0152-4E27-91DA-0FC22D1846BB}"/>
+                <a16:creationId xmlns:a16="http://schemas.microsoft.com/office/drawing/2014/main" xmlns="" id="{B536FA4E-0152-4E27-91DA-0FC22D1846BB}"/>
               </a:ext>
               <a:ext uri="{C183D7F6-B498-43B3-948B-1728B52AA6E4}">
-                <adec:decorative xmlns:adec="http://schemas.microsoft.com/office/drawing/2017/decorative" xmlns="" val="1"/>
+                <adec:decorative xmlns="" xmlns:adec="http://schemas.microsoft.com/office/drawing/2017/decorative" val="1"/>
               </a:ext>
             </a:extLst>
           </p:cNvPr>
@@ -6850,7 +6850,7 @@
           <p:nvPr>
             <p:extLst>
               <p:ext uri="{386F3935-93C4-4BCD-93E2-E3B085C9AB24}">
-                <p16:designElem xmlns:p16="http://schemas.microsoft.com/office/powerpoint/2015/main" val="1"/>
+                <p16:designElem xmlns:p16="http://schemas.microsoft.com/office/powerpoint/2015/main" xmlns="" val="1"/>
               </p:ext>
             </p:extLst>
           </p:nvPr>
@@ -6881,7 +6881,7 @@
           <p:cNvPr id="2" name="Title 1">
             <a:extLst>
               <a:ext uri="{FF2B5EF4-FFF2-40B4-BE49-F238E27FC236}">
-                <a16:creationId xmlns:a16="http://schemas.microsoft.com/office/drawing/2014/main" id="{89559F60-4CE1-4E2F-86EA-1B60679F1F4A}"/>
+                <a16:creationId xmlns:a16="http://schemas.microsoft.com/office/drawing/2014/main" xmlns="" id="{89559F60-4CE1-4E2F-86EA-1B60679F1F4A}"/>
               </a:ext>
             </a:extLst>
           </p:cNvPr>
@@ -6917,7 +6917,7 @@
           <p:cNvPr id="24" name="Content Placeholder 2">
             <a:extLst>
               <a:ext uri="{FF2B5EF4-FFF2-40B4-BE49-F238E27FC236}">
-                <a16:creationId xmlns:a16="http://schemas.microsoft.com/office/drawing/2014/main" id="{F260476B-CCA6-412B-A9C5-399C34AE6F05}"/>
+                <a16:creationId xmlns:a16="http://schemas.microsoft.com/office/drawing/2014/main" xmlns="" id="{F260476B-CCA6-412B-A9C5-399C34AE6F05}"/>
               </a:ext>
             </a:extLst>
           </p:cNvPr>
@@ -7015,10 +7015,10 @@
           <p:cNvPr id="5" name="Picture 4">
             <a:extLst>
               <a:ext uri="{FF2B5EF4-FFF2-40B4-BE49-F238E27FC236}">
-                <a16:creationId xmlns:a16="http://schemas.microsoft.com/office/drawing/2014/main" id="{AE5BD593-ADC5-06FC-4E87-A00EA85A2211}"/>
+                <a16:creationId xmlns:a16="http://schemas.microsoft.com/office/drawing/2014/main" xmlns="" id="{AE5BD593-ADC5-06FC-4E87-A00EA85A2211}"/>
               </a:ext>
               <a:ext uri="{C183D7F6-B498-43B3-948B-1728B52AA6E4}">
-                <adec:decorative xmlns:adec="http://schemas.microsoft.com/office/drawing/2017/decorative" xmlns="" val="1"/>
+                <adec:decorative xmlns="" xmlns:adec="http://schemas.microsoft.com/office/drawing/2017/decorative" val="1"/>
               </a:ext>
             </a:extLst>
           </p:cNvPr>
@@ -7053,7 +7053,7 @@
           <p:cNvPr id="2" name="Title 1">
             <a:extLst>
               <a:ext uri="{FF2B5EF4-FFF2-40B4-BE49-F238E27FC236}">
-                <a16:creationId xmlns:a16="http://schemas.microsoft.com/office/drawing/2014/main" id="{7A5C6CBF-24E1-CB01-18DB-F00F9BAEFB9B}"/>
+                <a16:creationId xmlns:a16="http://schemas.microsoft.com/office/drawing/2014/main" xmlns="" id="{7A5C6CBF-24E1-CB01-18DB-F00F9BAEFB9B}"/>
               </a:ext>
             </a:extLst>
           </p:cNvPr>
@@ -7086,7 +7086,7 @@
           <p:cNvPr id="4" name="Text Placeholder 3">
             <a:extLst>
               <a:ext uri="{FF2B5EF4-FFF2-40B4-BE49-F238E27FC236}">
-                <a16:creationId xmlns:a16="http://schemas.microsoft.com/office/drawing/2014/main" id="{B6F1CCAC-87DE-A917-207D-89269584777C}"/>
+                <a16:creationId xmlns:a16="http://schemas.microsoft.com/office/drawing/2014/main" xmlns="" id="{B6F1CCAC-87DE-A917-207D-89269584777C}"/>
               </a:ext>
             </a:extLst>
           </p:cNvPr>
@@ -7185,7 +7185,7 @@
           <p:cNvPr id="2" name="Title 1">
             <a:extLst>
               <a:ext uri="{FF2B5EF4-FFF2-40B4-BE49-F238E27FC236}">
-                <a16:creationId xmlns:a16="http://schemas.microsoft.com/office/drawing/2014/main" id="{0D1F047C-C727-42A7-85C5-68C5AA1B1A93}"/>
+                <a16:creationId xmlns:a16="http://schemas.microsoft.com/office/drawing/2014/main" xmlns="" id="{0D1F047C-C727-42A7-85C5-68C5AA1B1A93}"/>
               </a:ext>
             </a:extLst>
           </p:cNvPr>
@@ -7224,7 +7224,7 @@
           <p:cNvPr id="6" name="Subtitle 5">
             <a:extLst>
               <a:ext uri="{FF2B5EF4-FFF2-40B4-BE49-F238E27FC236}">
-                <a16:creationId xmlns:a16="http://schemas.microsoft.com/office/drawing/2014/main" id="{BAA99A78-CD86-5967-5260-EE2651E8B3D4}"/>
+                <a16:creationId xmlns:a16="http://schemas.microsoft.com/office/drawing/2014/main" xmlns="" id="{BAA99A78-CD86-5967-5260-EE2651E8B3D4}"/>
               </a:ext>
             </a:extLst>
           </p:cNvPr>
@@ -7243,7 +7243,7 @@
         </p:spPr>
         <p:txBody>
           <a:bodyPr>
-            <a:normAutofit fontScale="32500" lnSpcReduction="20000"/>
+            <a:normAutofit fontScale="40000" lnSpcReduction="20000"/>
           </a:bodyPr>
           <a:lstStyle/>
           <a:p>
@@ -7311,31 +7311,12 @@
             </a:pPr>
             <a:r>
               <a:rPr lang="en-US" sz="6000" dirty="0" smtClean="0"/>
-              <a:t>Knowledge of Geometric Kernel:- For Seeing the images of the Shapes on the screen we need it.   </a:t>
-            </a:r>
-          </a:p>
-          <a:p>
-            <a:pPr marL="1200150" lvl="1" indent="-742950" algn="l">
-              <a:buFont typeface="Wingdings 2" charset="2"/>
-              <a:buAutoNum type="arabicPeriod"/>
-            </a:pPr>
-            <a:r>
-              <a:rPr lang="en-US" sz="5800" dirty="0" err="1" smtClean="0"/>
-              <a:t>yOUYGVBBBBNJNKJNJKNKJNJK</a:t>
-            </a:r>
-            <a:endParaRPr lang="en-US" sz="5800" dirty="0"/>
-          </a:p>
-          <a:p>
-            <a:pPr algn="l"/>
-            <a:r>
-              <a:rPr lang="en-US" sz="4000" dirty="0" smtClean="0">
-                <a:effectLst/>
-              </a:rPr>
-              <a:t> </a:t>
-            </a:r>
-          </a:p>
-          <a:p>
-            <a:pPr algn="l"/>
+              <a:t>Knowledge of Geometric Kernel:- For Seeing the images of the Shapes on the screen we need it</a:t>
+            </a:r>
+            <a:r>
+              <a:rPr lang="en-US" sz="6000" smtClean="0"/>
+              <a:t>.   </a:t>
+            </a:r>
             <a:endParaRPr lang="en-US" sz="4000" dirty="0">
               <a:effectLst/>
             </a:endParaRPr>
@@ -7391,7 +7372,7 @@
           <p:cNvPr id="2" name="Title 1">
             <a:extLst>
               <a:ext uri="{FF2B5EF4-FFF2-40B4-BE49-F238E27FC236}">
-                <a16:creationId xmlns:a16="http://schemas.microsoft.com/office/drawing/2014/main" id="{8F874251-9E44-DEB1-3F5C-BB6E327F73E0}"/>
+                <a16:creationId xmlns:a16="http://schemas.microsoft.com/office/drawing/2014/main" xmlns="" id="{8F874251-9E44-DEB1-3F5C-BB6E327F73E0}"/>
               </a:ext>
             </a:extLst>
           </p:cNvPr>
@@ -7424,10 +7405,10 @@
           <p:cNvPr id="4" name="Picture 3">
             <a:extLst>
               <a:ext uri="{FF2B5EF4-FFF2-40B4-BE49-F238E27FC236}">
-                <a16:creationId xmlns:a16="http://schemas.microsoft.com/office/drawing/2014/main" id="{50B0088A-559F-F766-16BE-8547CE5507E5}"/>
+                <a16:creationId xmlns:a16="http://schemas.microsoft.com/office/drawing/2014/main" xmlns="" id="{50B0088A-559F-F766-16BE-8547CE5507E5}"/>
               </a:ext>
               <a:ext uri="{C183D7F6-B498-43B3-948B-1728B52AA6E4}">
-                <adec:decorative xmlns:adec="http://schemas.microsoft.com/office/drawing/2017/decorative" xmlns="" val="1"/>
+                <adec:decorative xmlns="" xmlns:adec="http://schemas.microsoft.com/office/drawing/2017/decorative" val="1"/>
               </a:ext>
             </a:extLst>
           </p:cNvPr>
@@ -7462,10 +7443,10 @@
           <p:cNvPr id="5" name="Picture 4">
             <a:extLst>
               <a:ext uri="{FF2B5EF4-FFF2-40B4-BE49-F238E27FC236}">
-                <a16:creationId xmlns:a16="http://schemas.microsoft.com/office/drawing/2014/main" id="{EF71BB8E-64D6-D74F-BC0E-9A581CBECC8E}"/>
+                <a16:creationId xmlns:a16="http://schemas.microsoft.com/office/drawing/2014/main" xmlns="" id="{EF71BB8E-64D6-D74F-BC0E-9A581CBECC8E}"/>
               </a:ext>
               <a:ext uri="{C183D7F6-B498-43B3-948B-1728B52AA6E4}">
-                <adec:decorative xmlns:adec="http://schemas.microsoft.com/office/drawing/2017/decorative" xmlns="" val="1"/>
+                <adec:decorative xmlns="" xmlns:adec="http://schemas.microsoft.com/office/drawing/2017/decorative" val="1"/>
               </a:ext>
             </a:extLst>
           </p:cNvPr>
@@ -7500,10 +7481,10 @@
           <p:cNvPr id="6" name="Picture 5">
             <a:extLst>
               <a:ext uri="{FF2B5EF4-FFF2-40B4-BE49-F238E27FC236}">
-                <a16:creationId xmlns:a16="http://schemas.microsoft.com/office/drawing/2014/main" id="{C6A71D68-0A5D-B01D-BA26-FC8A067348AC}"/>
+                <a16:creationId xmlns:a16="http://schemas.microsoft.com/office/drawing/2014/main" xmlns="" id="{C6A71D68-0A5D-B01D-BA26-FC8A067348AC}"/>
               </a:ext>
               <a:ext uri="{C183D7F6-B498-43B3-948B-1728B52AA6E4}">
-                <adec:decorative xmlns:adec="http://schemas.microsoft.com/office/drawing/2017/decorative" xmlns="" val="1"/>
+                <adec:decorative xmlns="" xmlns:adec="http://schemas.microsoft.com/office/drawing/2017/decorative" val="1"/>
               </a:ext>
             </a:extLst>
           </p:cNvPr>
@@ -7538,10 +7519,10 @@
           <p:cNvPr id="7" name="Picture 6">
             <a:extLst>
               <a:ext uri="{FF2B5EF4-FFF2-40B4-BE49-F238E27FC236}">
-                <a16:creationId xmlns:a16="http://schemas.microsoft.com/office/drawing/2014/main" id="{902D7502-5F1A-EE4D-F52A-D22C53FA13C9}"/>
+                <a16:creationId xmlns:a16="http://schemas.microsoft.com/office/drawing/2014/main" xmlns="" id="{902D7502-5F1A-EE4D-F52A-D22C53FA13C9}"/>
               </a:ext>
               <a:ext uri="{C183D7F6-B498-43B3-948B-1728B52AA6E4}">
-                <adec:decorative xmlns:adec="http://schemas.microsoft.com/office/drawing/2017/decorative" xmlns="" val="1"/>
+                <adec:decorative xmlns="" xmlns:adec="http://schemas.microsoft.com/office/drawing/2017/decorative" val="1"/>
               </a:ext>
             </a:extLst>
           </p:cNvPr>
@@ -7576,7 +7557,7 @@
           <p:cNvPr id="13" name="Rectangle 12">
             <a:extLst>
               <a:ext uri="{FF2B5EF4-FFF2-40B4-BE49-F238E27FC236}">
-                <a16:creationId xmlns:a16="http://schemas.microsoft.com/office/drawing/2014/main" id="{B1132F9F-BE86-63F2-49D6-C768A57697CE}"/>
+                <a16:creationId xmlns:a16="http://schemas.microsoft.com/office/drawing/2014/main" xmlns="" id="{B1132F9F-BE86-63F2-49D6-C768A57697CE}"/>
               </a:ext>
             </a:extLst>
           </p:cNvPr>
@@ -7630,7 +7611,7 @@
           <p:cNvPr id="14" name="Rectangle 13">
             <a:extLst>
               <a:ext uri="{FF2B5EF4-FFF2-40B4-BE49-F238E27FC236}">
-                <a16:creationId xmlns:a16="http://schemas.microsoft.com/office/drawing/2014/main" id="{1612D408-14BF-0369-89E8-E42A89B8FA32}"/>
+                <a16:creationId xmlns:a16="http://schemas.microsoft.com/office/drawing/2014/main" xmlns="" id="{1612D408-14BF-0369-89E8-E42A89B8FA32}"/>
               </a:ext>
             </a:extLst>
           </p:cNvPr>
@@ -7684,7 +7665,7 @@
           <p:cNvPr id="15" name="Rectangle 14">
             <a:extLst>
               <a:ext uri="{FF2B5EF4-FFF2-40B4-BE49-F238E27FC236}">
-                <a16:creationId xmlns:a16="http://schemas.microsoft.com/office/drawing/2014/main" id="{8A514CF4-F251-9C28-54BF-4B0A527CB6D1}"/>
+                <a16:creationId xmlns:a16="http://schemas.microsoft.com/office/drawing/2014/main" xmlns="" id="{8A514CF4-F251-9C28-54BF-4B0A527CB6D1}"/>
               </a:ext>
             </a:extLst>
           </p:cNvPr>
@@ -7738,7 +7719,7 @@
           <p:cNvPr id="16" name="Rectangle 15">
             <a:extLst>
               <a:ext uri="{FF2B5EF4-FFF2-40B4-BE49-F238E27FC236}">
-                <a16:creationId xmlns:a16="http://schemas.microsoft.com/office/drawing/2014/main" id="{A6ED21E0-FDB8-AE28-6AD3-7ADBDA8749B3}"/>
+                <a16:creationId xmlns:a16="http://schemas.microsoft.com/office/drawing/2014/main" xmlns="" id="{A6ED21E0-FDB8-AE28-6AD3-7ADBDA8749B3}"/>
               </a:ext>
             </a:extLst>
           </p:cNvPr>
@@ -7792,7 +7773,7 @@
           <p:cNvPr id="17" name="TextBox 16">
             <a:extLst>
               <a:ext uri="{FF2B5EF4-FFF2-40B4-BE49-F238E27FC236}">
-                <a16:creationId xmlns:a16="http://schemas.microsoft.com/office/drawing/2014/main" id="{1995D43D-9876-3119-D30A-76906A6F4CA0}"/>
+                <a16:creationId xmlns:a16="http://schemas.microsoft.com/office/drawing/2014/main" xmlns="" id="{1995D43D-9876-3119-D30A-76906A6F4CA0}"/>
               </a:ext>
             </a:extLst>
           </p:cNvPr>
@@ -7827,7 +7808,7 @@
           <p:cNvPr id="19" name="TextBox 18">
             <a:extLst>
               <a:ext uri="{FF2B5EF4-FFF2-40B4-BE49-F238E27FC236}">
-                <a16:creationId xmlns:a16="http://schemas.microsoft.com/office/drawing/2014/main" id="{1EAD0B7C-6E0E-F0B6-FB10-2002B0C97743}"/>
+                <a16:creationId xmlns:a16="http://schemas.microsoft.com/office/drawing/2014/main" xmlns="" id="{1EAD0B7C-6E0E-F0B6-FB10-2002B0C97743}"/>
               </a:ext>
             </a:extLst>
           </p:cNvPr>
@@ -7862,7 +7843,7 @@
           <p:cNvPr id="20" name="TextBox 19">
             <a:extLst>
               <a:ext uri="{FF2B5EF4-FFF2-40B4-BE49-F238E27FC236}">
-                <a16:creationId xmlns:a16="http://schemas.microsoft.com/office/drawing/2014/main" id="{A0809AA6-69E7-9636-ED0C-C755F1E7CA4D}"/>
+                <a16:creationId xmlns:a16="http://schemas.microsoft.com/office/drawing/2014/main" xmlns="" id="{A0809AA6-69E7-9636-ED0C-C755F1E7CA4D}"/>
               </a:ext>
             </a:extLst>
           </p:cNvPr>
@@ -7897,7 +7878,7 @@
           <p:cNvPr id="21" name="TextBox 20">
             <a:extLst>
               <a:ext uri="{FF2B5EF4-FFF2-40B4-BE49-F238E27FC236}">
-                <a16:creationId xmlns:a16="http://schemas.microsoft.com/office/drawing/2014/main" id="{09F2191C-651D-059C-27CA-EB5C25CA3867}"/>
+                <a16:creationId xmlns:a16="http://schemas.microsoft.com/office/drawing/2014/main" xmlns="" id="{09F2191C-651D-059C-27CA-EB5C25CA3867}"/>
               </a:ext>
             </a:extLst>
           </p:cNvPr>
@@ -7962,7 +7943,7 @@
           <p:cNvPr id="2" name="Title 1">
             <a:extLst>
               <a:ext uri="{FF2B5EF4-FFF2-40B4-BE49-F238E27FC236}">
-                <a16:creationId xmlns:a16="http://schemas.microsoft.com/office/drawing/2014/main" id="{CAD0EA13-B886-520F-581B-51F7F69D6647}"/>
+                <a16:creationId xmlns:a16="http://schemas.microsoft.com/office/drawing/2014/main" xmlns="" id="{CAD0EA13-B886-520F-581B-51F7F69D6647}"/>
               </a:ext>
             </a:extLst>
           </p:cNvPr>
@@ -7997,7 +7978,7 @@
           <p:cNvPr id="3" name="Text Placeholder 2">
             <a:extLst>
               <a:ext uri="{FF2B5EF4-FFF2-40B4-BE49-F238E27FC236}">
-                <a16:creationId xmlns:a16="http://schemas.microsoft.com/office/drawing/2014/main" id="{9369DAE5-92C1-4B11-6C2D-B13E6B330B34}"/>
+                <a16:creationId xmlns:a16="http://schemas.microsoft.com/office/drawing/2014/main" xmlns="" id="{9369DAE5-92C1-4B11-6C2D-B13E6B330B34}"/>
               </a:ext>
             </a:extLst>
           </p:cNvPr>
@@ -8097,10 +8078,10 @@
           <p:cNvPr id="4" name="Picture 3">
             <a:extLst>
               <a:ext uri="{FF2B5EF4-FFF2-40B4-BE49-F238E27FC236}">
-                <a16:creationId xmlns:a16="http://schemas.microsoft.com/office/drawing/2014/main" id="{3277EFD1-D941-D4D9-5157-CAE41D654846}"/>
+                <a16:creationId xmlns:a16="http://schemas.microsoft.com/office/drawing/2014/main" xmlns="" id="{3277EFD1-D941-D4D9-5157-CAE41D654846}"/>
               </a:ext>
               <a:ext uri="{C183D7F6-B498-43B3-948B-1728B52AA6E4}">
-                <adec:decorative xmlns:adec="http://schemas.microsoft.com/office/drawing/2017/decorative" xmlns="" val="1"/>
+                <adec:decorative xmlns="" xmlns:adec="http://schemas.microsoft.com/office/drawing/2017/decorative" val="1"/>
               </a:ext>
             </a:extLst>
           </p:cNvPr>
@@ -8165,7 +8146,7 @@
           <p:cNvPr id="2" name="Title 1">
             <a:extLst>
               <a:ext uri="{FF2B5EF4-FFF2-40B4-BE49-F238E27FC236}">
-                <a16:creationId xmlns:a16="http://schemas.microsoft.com/office/drawing/2014/main" id="{33F29128-0846-6872-52F6-3FCDA8FD4CEA}"/>
+                <a16:creationId xmlns:a16="http://schemas.microsoft.com/office/drawing/2014/main" xmlns="" id="{33F29128-0846-6872-52F6-3FCDA8FD4CEA}"/>
               </a:ext>
             </a:extLst>
           </p:cNvPr>
@@ -8202,7 +8183,7 @@
           <p:cNvPr id="3" name="TextBox 2">
             <a:extLst>
               <a:ext uri="{FF2B5EF4-FFF2-40B4-BE49-F238E27FC236}">
-                <a16:creationId xmlns:a16="http://schemas.microsoft.com/office/drawing/2014/main" id="{484788C6-8A6F-5453-D895-7D65E1629B7B}"/>
+                <a16:creationId xmlns:a16="http://schemas.microsoft.com/office/drawing/2014/main" xmlns="" id="{484788C6-8A6F-5453-D895-7D65E1629B7B}"/>
               </a:ext>
             </a:extLst>
           </p:cNvPr>
@@ -8809,6 +8790,24 @@
 </file>
 
 <file path=customXml/item1.xml><?xml version="1.0" encoding="utf-8"?>
+<p:properties xmlns:p="http://schemas.microsoft.com/office/2006/metadata/properties" xmlns:xsi="http://www.w3.org/2001/XMLSchema-instance" xmlns:pc="http://schemas.microsoft.com/office/infopath/2007/PartnerControls">
+  <documentManagement>
+    <Status xmlns="71af3243-3dd4-4a8d-8c0d-dd76da1f02a5">Not started</Status>
+    <MediaServiceKeyPoints xmlns="71af3243-3dd4-4a8d-8c0d-dd76da1f02a5" xsi:nil="true"/>
+  </documentManagement>
+</p:properties>
+</file>
+
+<file path=customXml/item2.xml><?xml version="1.0" encoding="utf-8"?>
+<?mso-contentType ?>
+<FormTemplates xmlns="http://schemas.microsoft.com/sharepoint/v3/contenttype/forms">
+  <Display>DocumentLibraryForm</Display>
+  <Edit>DocumentLibraryForm</Edit>
+  <New>DocumentLibraryForm</New>
+</FormTemplates>
+</file>
+
+<file path=customXml/item3.xml><?xml version="1.0" encoding="utf-8"?>
 <ct:contentTypeSchema xmlns:ct="http://schemas.microsoft.com/office/2006/metadata/contentType" xmlns:ma="http://schemas.microsoft.com/office/2006/metadata/properties/metaAttributes" ct:_="" ma:_="" ma:contentTypeName="Document" ma:contentTypeID="0x01010079F111ED35F8CC479449609E8A0923A6" ma:contentTypeVersion="12" ma:contentTypeDescription="Create a new document." ma:contentTypeScope="" ma:versionID="a410dd7f93c95333ffa1b60ed6adedd1">
   <xsd:schema xmlns:xsd="http://www.w3.org/2001/XMLSchema" xmlns:xs="http://www.w3.org/2001/XMLSchema" xmlns:p="http://schemas.microsoft.com/office/2006/metadata/properties" xmlns:ns2="71af3243-3dd4-4a8d-8c0d-dd76da1f02a5" xmlns:ns3="16c05727-aa75-4e4a-9b5f-8a80a1165891" targetNamespace="http://schemas.microsoft.com/office/2006/metadata/properties" ma:root="true" ma:fieldsID="a936d9baba76aa3866493feff160faab" ns2:_="" ns3:_="">
     <xsd:import namespace="71af3243-3dd4-4a8d-8c0d-dd76da1f02a5"/>
@@ -9029,25 +9028,32 @@
 </ct:contentTypeSchema>
 </file>
 
-<file path=customXml/item2.xml><?xml version="1.0" encoding="utf-8"?>
-<?mso-contentType ?>
-<FormTemplates xmlns="http://schemas.microsoft.com/sharepoint/v3/contenttype/forms">
-  <Display>DocumentLibraryForm</Display>
-  <Edit>DocumentLibraryForm</Edit>
-  <New>DocumentLibraryForm</New>
-</FormTemplates>
+<file path=customXml/itemProps1.xml><?xml version="1.0" encoding="utf-8"?>
+<ds:datastoreItem xmlns:ds="http://schemas.openxmlformats.org/officeDocument/2006/customXml" ds:itemID="{2C4C00F4-06E9-43E3-AD97-88A857CEFA82}">
+  <ds:schemaRefs>
+    <ds:schemaRef ds:uri="http://schemas.openxmlformats.org/package/2006/metadata/core-properties"/>
+    <ds:schemaRef ds:uri="http://purl.org/dc/terms/"/>
+    <ds:schemaRef ds:uri="http://schemas.microsoft.com/office/infopath/2007/PartnerControls"/>
+    <ds:schemaRef ds:uri="http://schemas.microsoft.com/office/2006/documentManagement/types"/>
+    <ds:schemaRef ds:uri="http://purl.org/dc/dcmitype/"/>
+    <ds:schemaRef ds:uri="http://schemas.microsoft.com/office/2006/metadata/properties"/>
+    <ds:schemaRef ds:uri="71af3243-3dd4-4a8d-8c0d-dd76da1f02a5"/>
+    <ds:schemaRef ds:uri="http://purl.org/dc/elements/1.1/"/>
+    <ds:schemaRef ds:uri="16c05727-aa75-4e4a-9b5f-8a80a1165891"/>
+    <ds:schemaRef ds:uri="http://www.w3.org/XML/1998/namespace"/>
+  </ds:schemaRefs>
+</ds:datastoreItem>
 </file>
 
-<file path=customXml/item3.xml><?xml version="1.0" encoding="utf-8"?>
-<p:properties xmlns:p="http://schemas.microsoft.com/office/2006/metadata/properties" xmlns:xsi="http://www.w3.org/2001/XMLSchema-instance" xmlns:pc="http://schemas.microsoft.com/office/infopath/2007/PartnerControls">
-  <documentManagement>
-    <Status xmlns="71af3243-3dd4-4a8d-8c0d-dd76da1f02a5">Not started</Status>
-    <MediaServiceKeyPoints xmlns="71af3243-3dd4-4a8d-8c0d-dd76da1f02a5" xsi:nil="true"/>
-  </documentManagement>
-</p:properties>
+<file path=customXml/itemProps2.xml><?xml version="1.0" encoding="utf-8"?>
+<ds:datastoreItem xmlns:ds="http://schemas.openxmlformats.org/officeDocument/2006/customXml" ds:itemID="{64B270AB-C138-415C-897E-3C24487DECF1}">
+  <ds:schemaRefs>
+    <ds:schemaRef ds:uri="http://schemas.microsoft.com/sharepoint/v3/contenttype/forms"/>
+  </ds:schemaRefs>
+</ds:datastoreItem>
 </file>
 
-<file path=customXml/itemProps1.xml><?xml version="1.0" encoding="utf-8"?>
+<file path=customXml/itemProps3.xml><?xml version="1.0" encoding="utf-8"?>
 <ds:datastoreItem xmlns:ds="http://schemas.openxmlformats.org/officeDocument/2006/customXml" ds:itemID="{0585E981-8C91-4205-A0C3-C991F42B4C9E}">
   <ds:schemaRefs>
     <ds:schemaRef ds:uri="http://schemas.microsoft.com/office/2006/metadata/contentType"/>
@@ -9064,29 +9070,4 @@
     <ds:schemaRef ds:uri="http://schemas.microsoft.com/internal/obd"/>
   </ds:schemaRefs>
 </ds:datastoreItem>
-</file>
-
-<file path=customXml/itemProps2.xml><?xml version="1.0" encoding="utf-8"?>
-<ds:datastoreItem xmlns:ds="http://schemas.openxmlformats.org/officeDocument/2006/customXml" ds:itemID="{64B270AB-C138-415C-897E-3C24487DECF1}">
-  <ds:schemaRefs>
-    <ds:schemaRef ds:uri="http://schemas.microsoft.com/sharepoint/v3/contenttype/forms"/>
-  </ds:schemaRefs>
-</ds:datastoreItem>
-</file>
-
-<file path=customXml/itemProps3.xml><?xml version="1.0" encoding="utf-8"?>
-<ds:datastoreItem xmlns:ds="http://schemas.openxmlformats.org/officeDocument/2006/customXml" ds:itemID="{2C4C00F4-06E9-43E3-AD97-88A857CEFA82}">
-  <ds:schemaRefs>
-    <ds:schemaRef ds:uri="http://schemas.openxmlformats.org/package/2006/metadata/core-properties"/>
-    <ds:schemaRef ds:uri="http://purl.org/dc/terms/"/>
-    <ds:schemaRef ds:uri="http://schemas.microsoft.com/office/infopath/2007/PartnerControls"/>
-    <ds:schemaRef ds:uri="http://schemas.microsoft.com/office/2006/documentManagement/types"/>
-    <ds:schemaRef ds:uri="http://purl.org/dc/dcmitype/"/>
-    <ds:schemaRef ds:uri="http://schemas.microsoft.com/office/2006/metadata/properties"/>
-    <ds:schemaRef ds:uri="71af3243-3dd4-4a8d-8c0d-dd76da1f02a5"/>
-    <ds:schemaRef ds:uri="http://purl.org/dc/elements/1.1/"/>
-    <ds:schemaRef ds:uri="16c05727-aa75-4e4a-9b5f-8a80a1165891"/>
-    <ds:schemaRef ds:uri="http://www.w3.org/XML/1998/namespace"/>
-  </ds:schemaRefs>
-</ds:datastoreItem>
 </file>